--- a/lezioni/PASW13 - thread.pptx
+++ b/lezioni/PASW13 - thread.pptx
@@ -5,7 +5,7 @@
     <p:sldMasterId id="2147483649" r:id="rId1"/>
   </p:sldMasterIdLst>
   <p:notesMasterIdLst>
-    <p:notesMasterId r:id="rId42"/>
+    <p:notesMasterId r:id="rId47"/>
   </p:notesMasterIdLst>
   <p:sldIdLst>
     <p:sldId id="258" r:id="rId2"/>
@@ -47,7 +47,12 @@
     <p:sldId id="316" r:id="rId38"/>
     <p:sldId id="317" r:id="rId39"/>
     <p:sldId id="318" r:id="rId40"/>
-    <p:sldId id="295" r:id="rId41"/>
+    <p:sldId id="319" r:id="rId41"/>
+    <p:sldId id="320" r:id="rId42"/>
+    <p:sldId id="321" r:id="rId43"/>
+    <p:sldId id="322" r:id="rId44"/>
+    <p:sldId id="323" r:id="rId45"/>
+    <p:sldId id="295" r:id="rId46"/>
   </p:sldIdLst>
   <p:sldSz cx="12192000" cy="6858000"/>
   <p:notesSz cx="6858000" cy="9144000"/>
@@ -277,7 +282,7 @@
           <a:p>
             <a:fld id="{537EE30C-6FCC-4D68-889C-61DBBB4BBB87}" type="datetimeFigureOut">
               <a:rPr lang="it-IT" smtClean="0"/>
-              <a:t>20/05/2018</a:t>
+              <a:t>24/05/2018</a:t>
             </a:fld>
             <a:endParaRPr lang="it-IT"/>
           </a:p>
@@ -21228,6 +21233,3352 @@
       </p:grpSpPr>
       <p:sp>
         <p:nvSpPr>
+          <p:cNvPr id="5" name="Titolo 4">
+            <a:extLst>
+              <a:ext uri="{FF2B5EF4-FFF2-40B4-BE49-F238E27FC236}">
+                <a16:creationId xmlns:a16="http://schemas.microsoft.com/office/drawing/2014/main" id="{366C7F5C-7D1E-4DCB-BDBE-CCA741E011C1}"/>
+              </a:ext>
+            </a:extLst>
+          </p:cNvPr>
+          <p:cNvSpPr>
+            <a:spLocks noGrp="1"/>
+          </p:cNvSpPr>
+          <p:nvPr>
+            <p:ph type="title"/>
+          </p:nvPr>
+        </p:nvSpPr>
+        <p:spPr/>
+        <p:txBody>
+          <a:bodyPr/>
+          <a:lstStyle/>
+          <a:p>
+            <a:r>
+              <a:rPr lang="it-IT" sz="2800" dirty="0"/>
+              <a:t>la classe Filosofo</a:t>
+            </a:r>
+          </a:p>
+        </p:txBody>
+      </p:sp>
+      <p:sp>
+        <p:nvSpPr>
+          <p:cNvPr id="6" name="Segnaposto contenuto 5">
+            <a:extLst>
+              <a:ext uri="{FF2B5EF4-FFF2-40B4-BE49-F238E27FC236}">
+                <a16:creationId xmlns:a16="http://schemas.microsoft.com/office/drawing/2014/main" id="{AF8E56BB-87DC-49E5-9250-DAA1A24FE701}"/>
+              </a:ext>
+            </a:extLst>
+          </p:cNvPr>
+          <p:cNvSpPr>
+            <a:spLocks noGrp="1"/>
+          </p:cNvSpPr>
+          <p:nvPr>
+            <p:ph sz="half" idx="1"/>
+          </p:nvPr>
+        </p:nvSpPr>
+        <p:spPr/>
+        <p:txBody>
+          <a:bodyPr/>
+          <a:lstStyle/>
+          <a:p>
+            <a:pPr marL="0" indent="0">
+              <a:buNone/>
+            </a:pPr>
+            <a:r>
+              <a:rPr lang="it-IT" sz="1600" b="1" dirty="0">
+                <a:latin typeface="Courier New" panose="02070309020205020404" pitchFamily="49" charset="0"/>
+                <a:cs typeface="Courier New" panose="02070309020205020404" pitchFamily="49" charset="0"/>
+              </a:rPr>
+              <a:t>class Filosofo {</a:t>
+            </a:r>
+          </a:p>
+          <a:p>
+            <a:pPr marL="0" indent="0">
+              <a:buNone/>
+            </a:pPr>
+            <a:r>
+              <a:rPr lang="it-IT" sz="1600" b="1" dirty="0">
+                <a:latin typeface="Courier New" panose="02070309020205020404" pitchFamily="49" charset="0"/>
+                <a:cs typeface="Courier New" panose="02070309020205020404" pitchFamily="49" charset="0"/>
+              </a:rPr>
+              <a:t>private:</a:t>
+            </a:r>
+          </a:p>
+          <a:p>
+            <a:pPr marL="0" indent="0">
+              <a:buNone/>
+            </a:pPr>
+            <a:r>
+              <a:rPr lang="it-IT" sz="1600" b="1" dirty="0">
+                <a:latin typeface="Courier New" panose="02070309020205020404" pitchFamily="49" charset="0"/>
+                <a:cs typeface="Courier New" panose="02070309020205020404" pitchFamily="49" charset="0"/>
+              </a:rPr>
+              <a:t>  </a:t>
+            </a:r>
+            <a:r>
+              <a:rPr lang="it-IT" sz="1600" b="1" dirty="0" err="1">
+                <a:latin typeface="Courier New" panose="02070309020205020404" pitchFamily="49" charset="0"/>
+                <a:cs typeface="Courier New" panose="02070309020205020404" pitchFamily="49" charset="0"/>
+              </a:rPr>
+              <a:t>int</a:t>
+            </a:r>
+            <a:r>
+              <a:rPr lang="it-IT" sz="1600" b="1" dirty="0">
+                <a:latin typeface="Courier New" panose="02070309020205020404" pitchFamily="49" charset="0"/>
+                <a:cs typeface="Courier New" panose="02070309020205020404" pitchFamily="49" charset="0"/>
+              </a:rPr>
+              <a:t> </a:t>
+            </a:r>
+            <a:r>
+              <a:rPr lang="it-IT" sz="1600" b="1" dirty="0">
+                <a:solidFill>
+                  <a:srgbClr val="FF0000"/>
+                </a:solidFill>
+                <a:latin typeface="Courier New" panose="02070309020205020404" pitchFamily="49" charset="0"/>
+                <a:cs typeface="Courier New" panose="02070309020205020404" pitchFamily="49" charset="0"/>
+              </a:rPr>
+              <a:t>id</a:t>
+            </a:r>
+            <a:r>
+              <a:rPr lang="it-IT" sz="1600" b="1" dirty="0">
+                <a:latin typeface="Courier New" panose="02070309020205020404" pitchFamily="49" charset="0"/>
+                <a:cs typeface="Courier New" panose="02070309020205020404" pitchFamily="49" charset="0"/>
+              </a:rPr>
+              <a:t>;	//identificatore</a:t>
+            </a:r>
+          </a:p>
+          <a:p>
+            <a:pPr marL="0" indent="0">
+              <a:buNone/>
+            </a:pPr>
+            <a:r>
+              <a:rPr lang="it-IT" sz="1600" b="1" dirty="0">
+                <a:latin typeface="Courier New" panose="02070309020205020404" pitchFamily="49" charset="0"/>
+                <a:cs typeface="Courier New" panose="02070309020205020404" pitchFamily="49" charset="0"/>
+              </a:rPr>
+              <a:t>  </a:t>
+            </a:r>
+            <a:r>
+              <a:rPr lang="it-IT" sz="1600" b="1" dirty="0" err="1">
+                <a:latin typeface="Courier New" panose="02070309020205020404" pitchFamily="49" charset="0"/>
+                <a:cs typeface="Courier New" panose="02070309020205020404" pitchFamily="49" charset="0"/>
+              </a:rPr>
+              <a:t>mutex</a:t>
+            </a:r>
+            <a:r>
+              <a:rPr lang="it-IT" sz="1600" b="1" dirty="0">
+                <a:latin typeface="Courier New" panose="02070309020205020404" pitchFamily="49" charset="0"/>
+                <a:cs typeface="Courier New" panose="02070309020205020404" pitchFamily="49" charset="0"/>
+              </a:rPr>
+              <a:t> </a:t>
+            </a:r>
+            <a:r>
+              <a:rPr lang="it-IT" sz="1600" b="1" dirty="0">
+                <a:solidFill>
+                  <a:srgbClr val="FF0000"/>
+                </a:solidFill>
+                <a:latin typeface="Courier New" panose="02070309020205020404" pitchFamily="49" charset="0"/>
+                <a:cs typeface="Courier New" panose="02070309020205020404" pitchFamily="49" charset="0"/>
+              </a:rPr>
+              <a:t>*destra</a:t>
+            </a:r>
+            <a:r>
+              <a:rPr lang="it-IT" sz="1600" b="1" dirty="0">
+                <a:latin typeface="Courier New" panose="02070309020205020404" pitchFamily="49" charset="0"/>
+                <a:cs typeface="Courier New" panose="02070309020205020404" pitchFamily="49" charset="0"/>
+              </a:rPr>
+              <a:t>;	//forchetta destra</a:t>
+            </a:r>
+          </a:p>
+          <a:p>
+            <a:pPr marL="0" indent="0">
+              <a:buNone/>
+            </a:pPr>
+            <a:r>
+              <a:rPr lang="it-IT" sz="1600" b="1" dirty="0">
+                <a:latin typeface="Courier New" panose="02070309020205020404" pitchFamily="49" charset="0"/>
+                <a:cs typeface="Courier New" panose="02070309020205020404" pitchFamily="49" charset="0"/>
+              </a:rPr>
+              <a:t>  </a:t>
+            </a:r>
+            <a:r>
+              <a:rPr lang="it-IT" sz="1600" b="1" dirty="0" err="1">
+                <a:latin typeface="Courier New" panose="02070309020205020404" pitchFamily="49" charset="0"/>
+                <a:cs typeface="Courier New" panose="02070309020205020404" pitchFamily="49" charset="0"/>
+              </a:rPr>
+              <a:t>mutex</a:t>
+            </a:r>
+            <a:r>
+              <a:rPr lang="it-IT" sz="1600" b="1" dirty="0">
+                <a:latin typeface="Courier New" panose="02070309020205020404" pitchFamily="49" charset="0"/>
+                <a:cs typeface="Courier New" panose="02070309020205020404" pitchFamily="49" charset="0"/>
+              </a:rPr>
+              <a:t> </a:t>
+            </a:r>
+            <a:r>
+              <a:rPr lang="it-IT" sz="1600" b="1" dirty="0">
+                <a:solidFill>
+                  <a:srgbClr val="FF0000"/>
+                </a:solidFill>
+                <a:latin typeface="Courier New" panose="02070309020205020404" pitchFamily="49" charset="0"/>
+                <a:cs typeface="Courier New" panose="02070309020205020404" pitchFamily="49" charset="0"/>
+              </a:rPr>
+              <a:t>*sinistra</a:t>
+            </a:r>
+            <a:r>
+              <a:rPr lang="it-IT" sz="1600" b="1" dirty="0">
+                <a:latin typeface="Courier New" panose="02070309020205020404" pitchFamily="49" charset="0"/>
+                <a:cs typeface="Courier New" panose="02070309020205020404" pitchFamily="49" charset="0"/>
+              </a:rPr>
+              <a:t>;	//forchetta sinistra</a:t>
+            </a:r>
+          </a:p>
+          <a:p>
+            <a:pPr marL="0" indent="0">
+              <a:buNone/>
+            </a:pPr>
+            <a:r>
+              <a:rPr lang="it-IT" sz="1600" b="1" dirty="0">
+                <a:latin typeface="Courier New" panose="02070309020205020404" pitchFamily="49" charset="0"/>
+                <a:cs typeface="Courier New" panose="02070309020205020404" pitchFamily="49" charset="0"/>
+              </a:rPr>
+              <a:t>  </a:t>
+            </a:r>
+            <a:r>
+              <a:rPr lang="it-IT" sz="1600" b="1" dirty="0" err="1">
+                <a:latin typeface="Courier New" panose="02070309020205020404" pitchFamily="49" charset="0"/>
+                <a:cs typeface="Courier New" panose="02070309020205020404" pitchFamily="49" charset="0"/>
+              </a:rPr>
+              <a:t>string</a:t>
+            </a:r>
+            <a:r>
+              <a:rPr lang="it-IT" sz="1600" b="1" dirty="0">
+                <a:latin typeface="Courier New" panose="02070309020205020404" pitchFamily="49" charset="0"/>
+                <a:cs typeface="Courier New" panose="02070309020205020404" pitchFamily="49" charset="0"/>
+              </a:rPr>
+              <a:t> </a:t>
+            </a:r>
+            <a:r>
+              <a:rPr lang="it-IT" sz="1600" b="1" dirty="0">
+                <a:solidFill>
+                  <a:srgbClr val="FF0000"/>
+                </a:solidFill>
+                <a:latin typeface="Courier New" panose="02070309020205020404" pitchFamily="49" charset="0"/>
+                <a:cs typeface="Courier New" panose="02070309020205020404" pitchFamily="49" charset="0"/>
+              </a:rPr>
+              <a:t>pensiero</a:t>
+            </a:r>
+            <a:r>
+              <a:rPr lang="it-IT" sz="1600" b="1" dirty="0">
+                <a:latin typeface="Courier New" panose="02070309020205020404" pitchFamily="49" charset="0"/>
+                <a:cs typeface="Courier New" panose="02070309020205020404" pitchFamily="49" charset="0"/>
+              </a:rPr>
+              <a:t>; //pensiero del filosofo</a:t>
+            </a:r>
+          </a:p>
+          <a:p>
+            <a:pPr marL="0" indent="0">
+              <a:buNone/>
+            </a:pPr>
+            <a:r>
+              <a:rPr lang="it-IT" sz="1600" b="1" dirty="0">
+                <a:latin typeface="Courier New" panose="02070309020205020404" pitchFamily="49" charset="0"/>
+                <a:cs typeface="Courier New" panose="02070309020205020404" pitchFamily="49" charset="0"/>
+              </a:rPr>
+              <a:t>public:</a:t>
+            </a:r>
+          </a:p>
+          <a:p>
+            <a:pPr marL="0" indent="0">
+              <a:buNone/>
+            </a:pPr>
+            <a:r>
+              <a:rPr lang="pt-BR" sz="1600" b="1" dirty="0">
+                <a:solidFill>
+                  <a:srgbClr val="FF0000"/>
+                </a:solidFill>
+                <a:latin typeface="Courier New" panose="02070309020205020404" pitchFamily="49" charset="0"/>
+                <a:cs typeface="Courier New" panose="02070309020205020404" pitchFamily="49" charset="0"/>
+              </a:rPr>
+              <a:t>Filosofo</a:t>
+            </a:r>
+            <a:r>
+              <a:rPr lang="pt-BR" sz="1600" b="1" dirty="0">
+                <a:latin typeface="Courier New" panose="02070309020205020404" pitchFamily="49" charset="0"/>
+                <a:cs typeface="Courier New" panose="02070309020205020404" pitchFamily="49" charset="0"/>
+              </a:rPr>
+              <a:t>(int n,mutex *d,mutex *s,string p) : id(n),destra(d),sinistra(s),pensiero(p) {}</a:t>
+            </a:r>
+          </a:p>
+          <a:p>
+            <a:pPr marL="0" indent="0">
+              <a:buNone/>
+            </a:pPr>
+            <a:r>
+              <a:rPr lang="it-IT" sz="1600" b="1" dirty="0" err="1">
+                <a:latin typeface="Courier New" panose="02070309020205020404" pitchFamily="49" charset="0"/>
+                <a:cs typeface="Courier New" panose="02070309020205020404" pitchFamily="49" charset="0"/>
+              </a:rPr>
+              <a:t>void</a:t>
+            </a:r>
+            <a:r>
+              <a:rPr lang="it-IT" sz="1600" b="1" dirty="0">
+                <a:latin typeface="Courier New" panose="02070309020205020404" pitchFamily="49" charset="0"/>
+                <a:cs typeface="Courier New" panose="02070309020205020404" pitchFamily="49" charset="0"/>
+              </a:rPr>
+              <a:t> </a:t>
+            </a:r>
+            <a:r>
+              <a:rPr lang="it-IT" sz="1600" b="1" dirty="0">
+                <a:solidFill>
+                  <a:srgbClr val="FF0000"/>
+                </a:solidFill>
+                <a:latin typeface="Courier New" panose="02070309020205020404" pitchFamily="49" charset="0"/>
+                <a:cs typeface="Courier New" panose="02070309020205020404" pitchFamily="49" charset="0"/>
+              </a:rPr>
+              <a:t>operator()() </a:t>
+            </a:r>
+            <a:r>
+              <a:rPr lang="it-IT" sz="1600" b="1" dirty="0">
+                <a:latin typeface="Courier New" panose="02070309020205020404" pitchFamily="49" charset="0"/>
+                <a:cs typeface="Courier New" panose="02070309020205020404" pitchFamily="49" charset="0"/>
+              </a:rPr>
+              <a:t>{</a:t>
+            </a:r>
+          </a:p>
+          <a:p>
+            <a:pPr marL="0" indent="0">
+              <a:buNone/>
+            </a:pPr>
+            <a:r>
+              <a:rPr lang="it-IT" sz="1600" b="1" dirty="0">
+                <a:latin typeface="Courier New" panose="02070309020205020404" pitchFamily="49" charset="0"/>
+                <a:cs typeface="Courier New" panose="02070309020205020404" pitchFamily="49" charset="0"/>
+              </a:rPr>
+              <a:t>  for(</a:t>
+            </a:r>
+            <a:r>
+              <a:rPr lang="it-IT" sz="1600" b="1" dirty="0" err="1">
+                <a:latin typeface="Courier New" panose="02070309020205020404" pitchFamily="49" charset="0"/>
+                <a:cs typeface="Courier New" panose="02070309020205020404" pitchFamily="49" charset="0"/>
+              </a:rPr>
+              <a:t>int</a:t>
+            </a:r>
+            <a:r>
+              <a:rPr lang="it-IT" sz="1600" b="1" dirty="0">
+                <a:latin typeface="Courier New" panose="02070309020205020404" pitchFamily="49" charset="0"/>
+                <a:cs typeface="Courier New" panose="02070309020205020404" pitchFamily="49" charset="0"/>
+              </a:rPr>
+              <a:t> a=0; a&lt;3; a++) {</a:t>
+            </a:r>
+          </a:p>
+          <a:p>
+            <a:pPr marL="0" indent="0">
+              <a:buNone/>
+            </a:pPr>
+            <a:r>
+              <a:rPr lang="it-IT" sz="1600" b="1" dirty="0">
+                <a:latin typeface="Courier New" panose="02070309020205020404" pitchFamily="49" charset="0"/>
+                <a:cs typeface="Courier New" panose="02070309020205020404" pitchFamily="49" charset="0"/>
+              </a:rPr>
+              <a:t>    pensa();</a:t>
+            </a:r>
+          </a:p>
+          <a:p>
+            <a:pPr marL="0" indent="0">
+              <a:buNone/>
+            </a:pPr>
+            <a:r>
+              <a:rPr lang="it-IT" sz="1600" b="1" dirty="0">
+                <a:latin typeface="Courier New" panose="02070309020205020404" pitchFamily="49" charset="0"/>
+                <a:cs typeface="Courier New" panose="02070309020205020404" pitchFamily="49" charset="0"/>
+              </a:rPr>
+              <a:t>    mangia();</a:t>
+            </a:r>
+          </a:p>
+          <a:p>
+            <a:pPr marL="0" indent="0">
+              <a:buNone/>
+            </a:pPr>
+            <a:r>
+              <a:rPr lang="it-IT" sz="1600" b="1" dirty="0">
+                <a:latin typeface="Courier New" panose="02070309020205020404" pitchFamily="49" charset="0"/>
+                <a:cs typeface="Courier New" panose="02070309020205020404" pitchFamily="49" charset="0"/>
+              </a:rPr>
+              <a:t>  }</a:t>
+            </a:r>
+          </a:p>
+          <a:p>
+            <a:pPr marL="0" indent="0">
+              <a:buNone/>
+            </a:pPr>
+            <a:r>
+              <a:rPr lang="it-IT" sz="1600" b="1" dirty="0">
+                <a:latin typeface="Courier New" panose="02070309020205020404" pitchFamily="49" charset="0"/>
+                <a:cs typeface="Courier New" panose="02070309020205020404" pitchFamily="49" charset="0"/>
+              </a:rPr>
+              <a:t>}</a:t>
+            </a:r>
+          </a:p>
+        </p:txBody>
+      </p:sp>
+      <p:sp>
+        <p:nvSpPr>
+          <p:cNvPr id="7" name="Segnaposto contenuto 6">
+            <a:extLst>
+              <a:ext uri="{FF2B5EF4-FFF2-40B4-BE49-F238E27FC236}">
+                <a16:creationId xmlns:a16="http://schemas.microsoft.com/office/drawing/2014/main" id="{7B7860AC-9732-48B2-AA3D-2F39741E4B56}"/>
+              </a:ext>
+            </a:extLst>
+          </p:cNvPr>
+          <p:cNvSpPr>
+            <a:spLocks noGrp="1"/>
+          </p:cNvSpPr>
+          <p:nvPr>
+            <p:ph sz="half" idx="2"/>
+          </p:nvPr>
+        </p:nvSpPr>
+        <p:spPr/>
+        <p:txBody>
+          <a:bodyPr/>
+          <a:lstStyle/>
+          <a:p>
+            <a:pPr marL="0" indent="0">
+              <a:buNone/>
+            </a:pPr>
+            <a:r>
+              <a:rPr lang="it-IT" sz="1600" b="1" dirty="0">
+                <a:latin typeface="Courier New" panose="02070309020205020404" pitchFamily="49" charset="0"/>
+                <a:cs typeface="Courier New" panose="02070309020205020404" pitchFamily="49" charset="0"/>
+              </a:rPr>
+              <a:t> </a:t>
+            </a:r>
+            <a:r>
+              <a:rPr lang="it-IT" sz="1600" b="1" dirty="0" err="1">
+                <a:latin typeface="Courier New" panose="02070309020205020404" pitchFamily="49" charset="0"/>
+                <a:cs typeface="Courier New" panose="02070309020205020404" pitchFamily="49" charset="0"/>
+              </a:rPr>
+              <a:t>void</a:t>
+            </a:r>
+            <a:r>
+              <a:rPr lang="it-IT" sz="1600" b="1" dirty="0">
+                <a:latin typeface="Courier New" panose="02070309020205020404" pitchFamily="49" charset="0"/>
+                <a:cs typeface="Courier New" panose="02070309020205020404" pitchFamily="49" charset="0"/>
+              </a:rPr>
+              <a:t> </a:t>
+            </a:r>
+            <a:r>
+              <a:rPr lang="it-IT" sz="1600" b="1" dirty="0">
+                <a:solidFill>
+                  <a:srgbClr val="FF0000"/>
+                </a:solidFill>
+                <a:latin typeface="Courier New" panose="02070309020205020404" pitchFamily="49" charset="0"/>
+                <a:cs typeface="Courier New" panose="02070309020205020404" pitchFamily="49" charset="0"/>
+              </a:rPr>
+              <a:t>pensa</a:t>
+            </a:r>
+            <a:r>
+              <a:rPr lang="it-IT" sz="1600" b="1" dirty="0">
+                <a:latin typeface="Courier New" panose="02070309020205020404" pitchFamily="49" charset="0"/>
+                <a:cs typeface="Courier New" panose="02070309020205020404" pitchFamily="49" charset="0"/>
+              </a:rPr>
+              <a:t>() {</a:t>
+            </a:r>
+          </a:p>
+          <a:p>
+            <a:pPr marL="0" indent="0">
+              <a:buNone/>
+            </a:pPr>
+            <a:r>
+              <a:rPr lang="it-IT" sz="1600" b="1" dirty="0">
+                <a:latin typeface="Courier New" panose="02070309020205020404" pitchFamily="49" charset="0"/>
+                <a:cs typeface="Courier New" panose="02070309020205020404" pitchFamily="49" charset="0"/>
+              </a:rPr>
+              <a:t>   </a:t>
+            </a:r>
+            <a:r>
+              <a:rPr lang="it-IT" sz="1600" b="1" dirty="0" err="1">
+                <a:latin typeface="Courier New" panose="02070309020205020404" pitchFamily="49" charset="0"/>
+                <a:cs typeface="Courier New" panose="02070309020205020404" pitchFamily="49" charset="0"/>
+              </a:rPr>
+              <a:t>cout</a:t>
+            </a:r>
+            <a:r>
+              <a:rPr lang="it-IT" sz="1600" b="1" dirty="0">
+                <a:latin typeface="Courier New" panose="02070309020205020404" pitchFamily="49" charset="0"/>
+                <a:cs typeface="Courier New" panose="02070309020205020404" pitchFamily="49" charset="0"/>
+              </a:rPr>
+              <a:t> &lt;&lt; pensiero;</a:t>
+            </a:r>
+          </a:p>
+          <a:p>
+            <a:pPr marL="0" indent="0">
+              <a:buNone/>
+            </a:pPr>
+            <a:r>
+              <a:rPr lang="it-IT" sz="1600" b="1" dirty="0">
+                <a:latin typeface="Courier New" panose="02070309020205020404" pitchFamily="49" charset="0"/>
+                <a:cs typeface="Courier New" panose="02070309020205020404" pitchFamily="49" charset="0"/>
+              </a:rPr>
+              <a:t>   &lt;</a:t>
+            </a:r>
+            <a:r>
+              <a:rPr lang="it-IT" sz="1600" b="1" dirty="0" err="1">
+                <a:latin typeface="Courier New" panose="02070309020205020404" pitchFamily="49" charset="0"/>
+                <a:cs typeface="Courier New" panose="02070309020205020404" pitchFamily="49" charset="0"/>
+              </a:rPr>
+              <a:t>sleep</a:t>
+            </a:r>
+            <a:r>
+              <a:rPr lang="it-IT" sz="1600" b="1" dirty="0">
+                <a:latin typeface="Courier New" panose="02070309020205020404" pitchFamily="49" charset="0"/>
+                <a:cs typeface="Courier New" panose="02070309020205020404" pitchFamily="49" charset="0"/>
+              </a:rPr>
+              <a:t>&gt; </a:t>
+            </a:r>
+          </a:p>
+          <a:p>
+            <a:pPr marL="0" indent="0">
+              <a:buNone/>
+            </a:pPr>
+            <a:r>
+              <a:rPr lang="it-IT" sz="1600" b="1" dirty="0">
+                <a:latin typeface="Courier New" panose="02070309020205020404" pitchFamily="49" charset="0"/>
+                <a:cs typeface="Courier New" panose="02070309020205020404" pitchFamily="49" charset="0"/>
+              </a:rPr>
+              <a:t>}</a:t>
+            </a:r>
+          </a:p>
+          <a:p>
+            <a:pPr marL="0" indent="0">
+              <a:buNone/>
+            </a:pPr>
+            <a:endParaRPr lang="it-IT" sz="1600" b="1" dirty="0">
+              <a:latin typeface="Courier New" panose="02070309020205020404" pitchFamily="49" charset="0"/>
+              <a:cs typeface="Courier New" panose="02070309020205020404" pitchFamily="49" charset="0"/>
+            </a:endParaRPr>
+          </a:p>
+          <a:p>
+            <a:pPr marL="0" indent="0">
+              <a:buNone/>
+            </a:pPr>
+            <a:r>
+              <a:rPr lang="it-IT" sz="1600" b="1" dirty="0" err="1">
+                <a:latin typeface="Courier New" panose="02070309020205020404" pitchFamily="49" charset="0"/>
+                <a:cs typeface="Courier New" panose="02070309020205020404" pitchFamily="49" charset="0"/>
+              </a:rPr>
+              <a:t>void</a:t>
+            </a:r>
+            <a:r>
+              <a:rPr lang="it-IT" sz="1600" b="1" dirty="0">
+                <a:latin typeface="Courier New" panose="02070309020205020404" pitchFamily="49" charset="0"/>
+                <a:cs typeface="Courier New" panose="02070309020205020404" pitchFamily="49" charset="0"/>
+              </a:rPr>
+              <a:t> </a:t>
+            </a:r>
+            <a:r>
+              <a:rPr lang="it-IT" sz="1600" b="1" dirty="0">
+                <a:solidFill>
+                  <a:srgbClr val="FF0000"/>
+                </a:solidFill>
+                <a:latin typeface="Courier New" panose="02070309020205020404" pitchFamily="49" charset="0"/>
+                <a:cs typeface="Courier New" panose="02070309020205020404" pitchFamily="49" charset="0"/>
+              </a:rPr>
+              <a:t>mangia</a:t>
+            </a:r>
+            <a:r>
+              <a:rPr lang="it-IT" sz="1600" b="1" dirty="0">
+                <a:latin typeface="Courier New" panose="02070309020205020404" pitchFamily="49" charset="0"/>
+                <a:cs typeface="Courier New" panose="02070309020205020404" pitchFamily="49" charset="0"/>
+              </a:rPr>
+              <a:t>() {</a:t>
+            </a:r>
+          </a:p>
+          <a:p>
+            <a:pPr marL="0" indent="0">
+              <a:buNone/>
+            </a:pPr>
+            <a:r>
+              <a:rPr lang="it-IT" sz="1600" b="1" dirty="0">
+                <a:latin typeface="Courier New" panose="02070309020205020404" pitchFamily="49" charset="0"/>
+                <a:cs typeface="Courier New" panose="02070309020205020404" pitchFamily="49" charset="0"/>
+              </a:rPr>
+              <a:t> </a:t>
+            </a:r>
+            <a:r>
+              <a:rPr lang="it-IT" sz="1600" b="1" dirty="0" err="1">
+                <a:latin typeface="Courier New" panose="02070309020205020404" pitchFamily="49" charset="0"/>
+                <a:cs typeface="Courier New" panose="02070309020205020404" pitchFamily="49" charset="0"/>
+              </a:rPr>
+              <a:t>unique_lock</a:t>
+            </a:r>
+            <a:r>
+              <a:rPr lang="it-IT" sz="1600" b="1" dirty="0">
+                <a:latin typeface="Courier New" panose="02070309020205020404" pitchFamily="49" charset="0"/>
+                <a:cs typeface="Courier New" panose="02070309020205020404" pitchFamily="49" charset="0"/>
+              </a:rPr>
+              <a:t>&lt;</a:t>
+            </a:r>
+            <a:r>
+              <a:rPr lang="it-IT" sz="1600" b="1" dirty="0" err="1">
+                <a:latin typeface="Courier New" panose="02070309020205020404" pitchFamily="49" charset="0"/>
+                <a:cs typeface="Courier New" panose="02070309020205020404" pitchFamily="49" charset="0"/>
+              </a:rPr>
+              <a:t>std</a:t>
+            </a:r>
+            <a:r>
+              <a:rPr lang="it-IT" sz="1600" b="1" dirty="0">
+                <a:latin typeface="Courier New" panose="02070309020205020404" pitchFamily="49" charset="0"/>
+                <a:cs typeface="Courier New" panose="02070309020205020404" pitchFamily="49" charset="0"/>
+              </a:rPr>
+              <a:t>::</a:t>
+            </a:r>
+            <a:r>
+              <a:rPr lang="it-IT" sz="1600" b="1" dirty="0" err="1">
+                <a:latin typeface="Courier New" panose="02070309020205020404" pitchFamily="49" charset="0"/>
+                <a:cs typeface="Courier New" panose="02070309020205020404" pitchFamily="49" charset="0"/>
+              </a:rPr>
+              <a:t>mutex</a:t>
+            </a:r>
+            <a:r>
+              <a:rPr lang="it-IT" sz="1600" b="1" dirty="0">
+                <a:latin typeface="Courier New" panose="02070309020205020404" pitchFamily="49" charset="0"/>
+                <a:cs typeface="Courier New" panose="02070309020205020404" pitchFamily="49" charset="0"/>
+              </a:rPr>
+              <a:t>&gt; </a:t>
+            </a:r>
+            <a:r>
+              <a:rPr lang="it-IT" sz="1600" b="1" dirty="0" err="1">
+                <a:latin typeface="Courier New" panose="02070309020205020404" pitchFamily="49" charset="0"/>
+                <a:cs typeface="Courier New" panose="02070309020205020404" pitchFamily="49" charset="0"/>
+              </a:rPr>
+              <a:t>lock_a</a:t>
+            </a:r>
+            <a:r>
+              <a:rPr lang="it-IT" sz="1600" b="1" dirty="0">
+                <a:latin typeface="Courier New" panose="02070309020205020404" pitchFamily="49" charset="0"/>
+                <a:cs typeface="Courier New" panose="02070309020205020404" pitchFamily="49" charset="0"/>
+              </a:rPr>
+              <a:t>(*destra, </a:t>
+            </a:r>
+          </a:p>
+          <a:p>
+            <a:pPr marL="0" indent="0">
+              <a:buNone/>
+            </a:pPr>
+            <a:r>
+              <a:rPr lang="it-IT" sz="1600" b="1" dirty="0">
+                <a:latin typeface="Courier New" panose="02070309020205020404" pitchFamily="49" charset="0"/>
+                <a:cs typeface="Courier New" panose="02070309020205020404" pitchFamily="49" charset="0"/>
+              </a:rPr>
+              <a:t>                        </a:t>
+            </a:r>
+            <a:r>
+              <a:rPr lang="it-IT" sz="1600" b="1" dirty="0" err="1">
+                <a:latin typeface="Courier New" panose="02070309020205020404" pitchFamily="49" charset="0"/>
+                <a:cs typeface="Courier New" panose="02070309020205020404" pitchFamily="49" charset="0"/>
+              </a:rPr>
+              <a:t>std</a:t>
+            </a:r>
+            <a:r>
+              <a:rPr lang="it-IT" sz="1600" b="1" dirty="0">
+                <a:latin typeface="Courier New" panose="02070309020205020404" pitchFamily="49" charset="0"/>
+                <a:cs typeface="Courier New" panose="02070309020205020404" pitchFamily="49" charset="0"/>
+              </a:rPr>
+              <a:t>::</a:t>
+            </a:r>
+            <a:r>
+              <a:rPr lang="it-IT" sz="1600" b="1" dirty="0" err="1">
+                <a:latin typeface="Courier New" panose="02070309020205020404" pitchFamily="49" charset="0"/>
+                <a:cs typeface="Courier New" panose="02070309020205020404" pitchFamily="49" charset="0"/>
+              </a:rPr>
+              <a:t>defer_lock</a:t>
+            </a:r>
+            <a:r>
+              <a:rPr lang="it-IT" sz="1600" b="1" dirty="0">
+                <a:latin typeface="Courier New" panose="02070309020205020404" pitchFamily="49" charset="0"/>
+                <a:cs typeface="Courier New" panose="02070309020205020404" pitchFamily="49" charset="0"/>
+              </a:rPr>
+              <a:t>);</a:t>
+            </a:r>
+          </a:p>
+          <a:p>
+            <a:pPr marL="0" indent="0">
+              <a:buNone/>
+            </a:pPr>
+            <a:r>
+              <a:rPr lang="it-IT" sz="1600" b="1" dirty="0">
+                <a:latin typeface="Courier New" panose="02070309020205020404" pitchFamily="49" charset="0"/>
+                <a:cs typeface="Courier New" panose="02070309020205020404" pitchFamily="49" charset="0"/>
+              </a:rPr>
+              <a:t> </a:t>
+            </a:r>
+            <a:r>
+              <a:rPr lang="it-IT" sz="1600" b="1" dirty="0" err="1">
+                <a:latin typeface="Courier New" panose="02070309020205020404" pitchFamily="49" charset="0"/>
+                <a:cs typeface="Courier New" panose="02070309020205020404" pitchFamily="49" charset="0"/>
+              </a:rPr>
+              <a:t>unique_lock</a:t>
+            </a:r>
+            <a:r>
+              <a:rPr lang="it-IT" sz="1600" b="1" dirty="0">
+                <a:latin typeface="Courier New" panose="02070309020205020404" pitchFamily="49" charset="0"/>
+                <a:cs typeface="Courier New" panose="02070309020205020404" pitchFamily="49" charset="0"/>
+              </a:rPr>
+              <a:t>&lt;</a:t>
+            </a:r>
+            <a:r>
+              <a:rPr lang="it-IT" sz="1600" b="1" dirty="0" err="1">
+                <a:latin typeface="Courier New" panose="02070309020205020404" pitchFamily="49" charset="0"/>
+                <a:cs typeface="Courier New" panose="02070309020205020404" pitchFamily="49" charset="0"/>
+              </a:rPr>
+              <a:t>std</a:t>
+            </a:r>
+            <a:r>
+              <a:rPr lang="it-IT" sz="1600" b="1" dirty="0">
+                <a:latin typeface="Courier New" panose="02070309020205020404" pitchFamily="49" charset="0"/>
+                <a:cs typeface="Courier New" panose="02070309020205020404" pitchFamily="49" charset="0"/>
+              </a:rPr>
+              <a:t>::</a:t>
+            </a:r>
+            <a:r>
+              <a:rPr lang="it-IT" sz="1600" b="1" dirty="0" err="1">
+                <a:latin typeface="Courier New" panose="02070309020205020404" pitchFamily="49" charset="0"/>
+                <a:cs typeface="Courier New" panose="02070309020205020404" pitchFamily="49" charset="0"/>
+              </a:rPr>
+              <a:t>mutex</a:t>
+            </a:r>
+            <a:r>
+              <a:rPr lang="it-IT" sz="1600" b="1" dirty="0">
+                <a:latin typeface="Courier New" panose="02070309020205020404" pitchFamily="49" charset="0"/>
+                <a:cs typeface="Courier New" panose="02070309020205020404" pitchFamily="49" charset="0"/>
+              </a:rPr>
+              <a:t>&gt; </a:t>
+            </a:r>
+            <a:r>
+              <a:rPr lang="it-IT" sz="1600" b="1" dirty="0" err="1">
+                <a:latin typeface="Courier New" panose="02070309020205020404" pitchFamily="49" charset="0"/>
+                <a:cs typeface="Courier New" panose="02070309020205020404" pitchFamily="49" charset="0"/>
+              </a:rPr>
+              <a:t>lock_b</a:t>
+            </a:r>
+            <a:r>
+              <a:rPr lang="it-IT" sz="1600" b="1" dirty="0">
+                <a:latin typeface="Courier New" panose="02070309020205020404" pitchFamily="49" charset="0"/>
+                <a:cs typeface="Courier New" panose="02070309020205020404" pitchFamily="49" charset="0"/>
+              </a:rPr>
+              <a:t>(*sinistra, </a:t>
+            </a:r>
+          </a:p>
+          <a:p>
+            <a:pPr marL="0" indent="0">
+              <a:buNone/>
+            </a:pPr>
+            <a:r>
+              <a:rPr lang="it-IT" sz="1600" b="1" dirty="0">
+                <a:latin typeface="Courier New" panose="02070309020205020404" pitchFamily="49" charset="0"/>
+                <a:cs typeface="Courier New" panose="02070309020205020404" pitchFamily="49" charset="0"/>
+              </a:rPr>
+              <a:t>                        </a:t>
+            </a:r>
+            <a:r>
+              <a:rPr lang="it-IT" sz="1600" b="1" dirty="0" err="1">
+                <a:latin typeface="Courier New" panose="02070309020205020404" pitchFamily="49" charset="0"/>
+                <a:cs typeface="Courier New" panose="02070309020205020404" pitchFamily="49" charset="0"/>
+              </a:rPr>
+              <a:t>std</a:t>
+            </a:r>
+            <a:r>
+              <a:rPr lang="it-IT" sz="1600" b="1" dirty="0">
+                <a:latin typeface="Courier New" panose="02070309020205020404" pitchFamily="49" charset="0"/>
+                <a:cs typeface="Courier New" panose="02070309020205020404" pitchFamily="49" charset="0"/>
+              </a:rPr>
+              <a:t>::</a:t>
+            </a:r>
+            <a:r>
+              <a:rPr lang="it-IT" sz="1600" b="1" dirty="0" err="1">
+                <a:latin typeface="Courier New" panose="02070309020205020404" pitchFamily="49" charset="0"/>
+                <a:cs typeface="Courier New" panose="02070309020205020404" pitchFamily="49" charset="0"/>
+              </a:rPr>
+              <a:t>defer_lock</a:t>
+            </a:r>
+            <a:r>
+              <a:rPr lang="it-IT" sz="1600" b="1" dirty="0">
+                <a:latin typeface="Courier New" panose="02070309020205020404" pitchFamily="49" charset="0"/>
+                <a:cs typeface="Courier New" panose="02070309020205020404" pitchFamily="49" charset="0"/>
+              </a:rPr>
+              <a:t>);</a:t>
+            </a:r>
+          </a:p>
+          <a:p>
+            <a:pPr marL="0" indent="0">
+              <a:buNone/>
+            </a:pPr>
+            <a:r>
+              <a:rPr lang="it-IT" sz="1600" b="1" dirty="0">
+                <a:latin typeface="Courier New" panose="02070309020205020404" pitchFamily="49" charset="0"/>
+                <a:cs typeface="Courier New" panose="02070309020205020404" pitchFamily="49" charset="0"/>
+              </a:rPr>
+              <a:t> lock(</a:t>
+            </a:r>
+            <a:r>
+              <a:rPr lang="it-IT" sz="1600" b="1" dirty="0" err="1">
+                <a:latin typeface="Courier New" panose="02070309020205020404" pitchFamily="49" charset="0"/>
+                <a:cs typeface="Courier New" panose="02070309020205020404" pitchFamily="49" charset="0"/>
+              </a:rPr>
+              <a:t>lock_a,lock_b</a:t>
+            </a:r>
+            <a:r>
+              <a:rPr lang="it-IT" sz="1600" b="1" dirty="0">
+                <a:latin typeface="Courier New" panose="02070309020205020404" pitchFamily="49" charset="0"/>
+                <a:cs typeface="Courier New" panose="02070309020205020404" pitchFamily="49" charset="0"/>
+              </a:rPr>
+              <a:t>);</a:t>
+            </a:r>
+          </a:p>
+          <a:p>
+            <a:pPr marL="0" indent="0">
+              <a:buNone/>
+            </a:pPr>
+            <a:r>
+              <a:rPr lang="it-IT" sz="1600" b="1" dirty="0">
+                <a:latin typeface="Courier New" panose="02070309020205020404" pitchFamily="49" charset="0"/>
+                <a:cs typeface="Courier New" panose="02070309020205020404" pitchFamily="49" charset="0"/>
+              </a:rPr>
+              <a:t> </a:t>
+            </a:r>
+            <a:r>
+              <a:rPr lang="it-IT" sz="1600" b="1" dirty="0" err="1">
+                <a:latin typeface="Courier New" panose="02070309020205020404" pitchFamily="49" charset="0"/>
+                <a:cs typeface="Courier New" panose="02070309020205020404" pitchFamily="49" charset="0"/>
+              </a:rPr>
+              <a:t>cout</a:t>
+            </a:r>
+            <a:r>
+              <a:rPr lang="it-IT" sz="1600" b="1" dirty="0">
+                <a:latin typeface="Courier New" panose="02070309020205020404" pitchFamily="49" charset="0"/>
+                <a:cs typeface="Courier New" panose="02070309020205020404" pitchFamily="49" charset="0"/>
+              </a:rPr>
+              <a:t> &lt;&lt; "messaggio";</a:t>
+            </a:r>
+          </a:p>
+          <a:p>
+            <a:pPr marL="0" indent="0">
+              <a:buNone/>
+            </a:pPr>
+            <a:r>
+              <a:rPr lang="it-IT" sz="1600" b="1" dirty="0">
+                <a:latin typeface="Courier New" panose="02070309020205020404" pitchFamily="49" charset="0"/>
+                <a:cs typeface="Courier New" panose="02070309020205020404" pitchFamily="49" charset="0"/>
+              </a:rPr>
+              <a:t> &lt;</a:t>
+            </a:r>
+            <a:r>
+              <a:rPr lang="it-IT" sz="1600" b="1" dirty="0" err="1">
+                <a:latin typeface="Courier New" panose="02070309020205020404" pitchFamily="49" charset="0"/>
+                <a:cs typeface="Courier New" panose="02070309020205020404" pitchFamily="49" charset="0"/>
+              </a:rPr>
+              <a:t>sleep</a:t>
+            </a:r>
+            <a:r>
+              <a:rPr lang="it-IT" sz="1600" b="1" dirty="0">
+                <a:latin typeface="Courier New" panose="02070309020205020404" pitchFamily="49" charset="0"/>
+                <a:cs typeface="Courier New" panose="02070309020205020404" pitchFamily="49" charset="0"/>
+              </a:rPr>
+              <a:t>&gt;          </a:t>
+            </a:r>
+          </a:p>
+          <a:p>
+            <a:pPr marL="0" indent="0">
+              <a:buNone/>
+            </a:pPr>
+            <a:r>
+              <a:rPr lang="it-IT" sz="1600" b="1" dirty="0">
+                <a:latin typeface="Courier New" panose="02070309020205020404" pitchFamily="49" charset="0"/>
+                <a:cs typeface="Courier New" panose="02070309020205020404" pitchFamily="49" charset="0"/>
+              </a:rPr>
+              <a:t> </a:t>
+            </a:r>
+            <a:r>
+              <a:rPr lang="it-IT" sz="1600" b="1" dirty="0" err="1">
+                <a:latin typeface="Courier New" panose="02070309020205020404" pitchFamily="49" charset="0"/>
+                <a:cs typeface="Courier New" panose="02070309020205020404" pitchFamily="49" charset="0"/>
+              </a:rPr>
+              <a:t>cout</a:t>
+            </a:r>
+            <a:r>
+              <a:rPr lang="it-IT" sz="1600" b="1" dirty="0">
+                <a:latin typeface="Courier New" panose="02070309020205020404" pitchFamily="49" charset="0"/>
+                <a:cs typeface="Courier New" panose="02070309020205020404" pitchFamily="49" charset="0"/>
+              </a:rPr>
+              <a:t> &lt;&lt; "ho finito di mangiare";</a:t>
+            </a:r>
+          </a:p>
+          <a:p>
+            <a:pPr marL="0" indent="0">
+              <a:buNone/>
+            </a:pPr>
+            <a:r>
+              <a:rPr lang="it-IT" sz="1600" b="1" dirty="0">
+                <a:latin typeface="Courier New" panose="02070309020205020404" pitchFamily="49" charset="0"/>
+                <a:cs typeface="Courier New" panose="02070309020205020404" pitchFamily="49" charset="0"/>
+              </a:rPr>
+              <a:t>}</a:t>
+            </a:r>
+          </a:p>
+        </p:txBody>
+      </p:sp>
+      <p:sp>
+        <p:nvSpPr>
+          <p:cNvPr id="4" name="Segnaposto piè di pagina 3">
+            <a:extLst>
+              <a:ext uri="{FF2B5EF4-FFF2-40B4-BE49-F238E27FC236}">
+                <a16:creationId xmlns:a16="http://schemas.microsoft.com/office/drawing/2014/main" id="{624AE661-65EA-4C21-8516-A66F1A1B41D9}"/>
+              </a:ext>
+            </a:extLst>
+          </p:cNvPr>
+          <p:cNvSpPr>
+            <a:spLocks noGrp="1"/>
+          </p:cNvSpPr>
+          <p:nvPr>
+            <p:ph type="ftr" sz="quarter" idx="11"/>
+          </p:nvPr>
+        </p:nvSpPr>
+        <p:spPr/>
+        <p:txBody>
+          <a:bodyPr/>
+          <a:lstStyle/>
+          <a:p>
+            <a:pPr>
+              <a:defRPr/>
+            </a:pPr>
+            <a:r>
+              <a:rPr lang="it-IT"/>
+              <a:t>Alberto Ferrari – Programmazione di applicazioni SW</a:t>
+            </a:r>
+            <a:endParaRPr lang="it-IT" dirty="0"/>
+          </a:p>
+        </p:txBody>
+      </p:sp>
+    </p:spTree>
+    <p:extLst>
+      <p:ext uri="{BB962C8B-B14F-4D97-AF65-F5344CB8AC3E}">
+        <p14:creationId xmlns:p14="http://schemas.microsoft.com/office/powerpoint/2010/main" val="172908964"/>
+      </p:ext>
+    </p:extLst>
+  </p:cSld>
+  <p:clrMapOvr>
+    <a:masterClrMapping/>
+  </p:clrMapOvr>
+</p:sld>
+</file>
+
+<file path=ppt/slides/slide41.xml><?xml version="1.0" encoding="utf-8"?>
+<p:sld xmlns:a="http://schemas.openxmlformats.org/drawingml/2006/main" xmlns:r="http://schemas.openxmlformats.org/officeDocument/2006/relationships" xmlns:p="http://schemas.openxmlformats.org/presentationml/2006/main">
+  <p:cSld>
+    <p:spTree>
+      <p:nvGrpSpPr>
+        <p:cNvPr id="1" name=""/>
+        <p:cNvGrpSpPr/>
+        <p:nvPr/>
+      </p:nvGrpSpPr>
+      <p:grpSpPr>
+        <a:xfrm>
+          <a:off x="0" y="0"/>
+          <a:ext cx="0" cy="0"/>
+          <a:chOff x="0" y="0"/>
+          <a:chExt cx="0" cy="0"/>
+        </a:xfrm>
+      </p:grpSpPr>
+      <p:sp>
+        <p:nvSpPr>
+          <p:cNvPr id="5" name="Titolo 4">
+            <a:extLst>
+              <a:ext uri="{FF2B5EF4-FFF2-40B4-BE49-F238E27FC236}">
+                <a16:creationId xmlns:a16="http://schemas.microsoft.com/office/drawing/2014/main" id="{366C7F5C-7D1E-4DCB-BDBE-CCA741E011C1}"/>
+              </a:ext>
+            </a:extLst>
+          </p:cNvPr>
+          <p:cNvSpPr>
+            <a:spLocks noGrp="1"/>
+          </p:cNvSpPr>
+          <p:nvPr>
+            <p:ph type="title"/>
+          </p:nvPr>
+        </p:nvSpPr>
+        <p:spPr/>
+        <p:txBody>
+          <a:bodyPr/>
+          <a:lstStyle/>
+          <a:p>
+            <a:r>
+              <a:rPr lang="it-IT" sz="2800" dirty="0"/>
+              <a:t>soluzione al problema </a:t>
+            </a:r>
+            <a:br>
+              <a:rPr lang="it-IT" sz="2800" dirty="0"/>
+            </a:br>
+            <a:r>
+              <a:rPr lang="it-IT" sz="2800" dirty="0"/>
+              <a:t>dei 5 filosofi</a:t>
+            </a:r>
+          </a:p>
+        </p:txBody>
+      </p:sp>
+      <p:sp>
+        <p:nvSpPr>
+          <p:cNvPr id="6" name="Segnaposto contenuto 5">
+            <a:extLst>
+              <a:ext uri="{FF2B5EF4-FFF2-40B4-BE49-F238E27FC236}">
+                <a16:creationId xmlns:a16="http://schemas.microsoft.com/office/drawing/2014/main" id="{AF8E56BB-87DC-49E5-9250-DAA1A24FE701}"/>
+              </a:ext>
+            </a:extLst>
+          </p:cNvPr>
+          <p:cNvSpPr>
+            <a:spLocks noGrp="1"/>
+          </p:cNvSpPr>
+          <p:nvPr>
+            <p:ph sz="half" idx="1"/>
+          </p:nvPr>
+        </p:nvSpPr>
+        <p:spPr/>
+        <p:txBody>
+          <a:bodyPr/>
+          <a:lstStyle/>
+          <a:p>
+            <a:pPr marL="0" indent="0">
+              <a:buNone/>
+            </a:pPr>
+            <a:r>
+              <a:rPr lang="it-IT" sz="1600" b="1" dirty="0" err="1">
+                <a:latin typeface="Courier New" panose="02070309020205020404" pitchFamily="49" charset="0"/>
+                <a:cs typeface="Courier New" panose="02070309020205020404" pitchFamily="49" charset="0"/>
+              </a:rPr>
+              <a:t>int</a:t>
+            </a:r>
+            <a:r>
+              <a:rPr lang="it-IT" sz="1600" b="1" dirty="0">
+                <a:latin typeface="Courier New" panose="02070309020205020404" pitchFamily="49" charset="0"/>
+                <a:cs typeface="Courier New" panose="02070309020205020404" pitchFamily="49" charset="0"/>
+              </a:rPr>
+              <a:t> </a:t>
+            </a:r>
+            <a:r>
+              <a:rPr lang="it-IT" sz="1600" b="1" dirty="0" err="1">
+                <a:latin typeface="Courier New" panose="02070309020205020404" pitchFamily="49" charset="0"/>
+                <a:cs typeface="Courier New" panose="02070309020205020404" pitchFamily="49" charset="0"/>
+              </a:rPr>
+              <a:t>main</a:t>
+            </a:r>
+            <a:r>
+              <a:rPr lang="it-IT" sz="1600" b="1" dirty="0">
+                <a:latin typeface="Courier New" panose="02070309020205020404" pitchFamily="49" charset="0"/>
+                <a:cs typeface="Courier New" panose="02070309020205020404" pitchFamily="49" charset="0"/>
+              </a:rPr>
+              <a:t>() {</a:t>
+            </a:r>
+          </a:p>
+          <a:p>
+            <a:pPr marL="0" indent="0">
+              <a:buNone/>
+            </a:pPr>
+            <a:r>
+              <a:rPr lang="it-IT" sz="1600" b="1" dirty="0">
+                <a:latin typeface="Courier New" panose="02070309020205020404" pitchFamily="49" charset="0"/>
+                <a:cs typeface="Courier New" panose="02070309020205020404" pitchFamily="49" charset="0"/>
+              </a:rPr>
+              <a:t> </a:t>
+            </a:r>
+            <a:r>
+              <a:rPr lang="it-IT" sz="1600" b="1" dirty="0" err="1">
+                <a:latin typeface="Courier New" panose="02070309020205020404" pitchFamily="49" charset="0"/>
+                <a:cs typeface="Courier New" panose="02070309020205020404" pitchFamily="49" charset="0"/>
+              </a:rPr>
+              <a:t>string</a:t>
+            </a:r>
+            <a:r>
+              <a:rPr lang="it-IT" sz="1600" b="1" dirty="0">
+                <a:latin typeface="Courier New" panose="02070309020205020404" pitchFamily="49" charset="0"/>
+                <a:cs typeface="Courier New" panose="02070309020205020404" pitchFamily="49" charset="0"/>
+              </a:rPr>
+              <a:t> pensiero[5]= { "alla liberta</a:t>
+            </a:r>
+          </a:p>
+          <a:p>
+            <a:pPr marL="0" indent="0">
+              <a:buNone/>
+            </a:pPr>
+            <a:r>
+              <a:rPr lang="it-IT" sz="1600" b="1" dirty="0">
+                <a:latin typeface="Courier New" panose="02070309020205020404" pitchFamily="49" charset="0"/>
+                <a:cs typeface="Courier New" panose="02070309020205020404" pitchFamily="49" charset="0"/>
+              </a:rPr>
+              <a:t> … …};</a:t>
+            </a:r>
+          </a:p>
+          <a:p>
+            <a:pPr marL="0" indent="0">
+              <a:buNone/>
+            </a:pPr>
+            <a:r>
+              <a:rPr lang="it-IT" sz="1600" b="1" dirty="0">
+                <a:latin typeface="Courier New" panose="02070309020205020404" pitchFamily="49" charset="0"/>
+                <a:cs typeface="Courier New" panose="02070309020205020404" pitchFamily="49" charset="0"/>
+              </a:rPr>
+              <a:t> Filosofo* filosofi[5];</a:t>
+            </a:r>
+          </a:p>
+          <a:p>
+            <a:pPr marL="0" indent="0">
+              <a:buNone/>
+            </a:pPr>
+            <a:r>
+              <a:rPr lang="it-IT" sz="1600" b="1" dirty="0">
+                <a:latin typeface="Courier New" panose="02070309020205020404" pitchFamily="49" charset="0"/>
+                <a:cs typeface="Courier New" panose="02070309020205020404" pitchFamily="49" charset="0"/>
+              </a:rPr>
+              <a:t> </a:t>
+            </a:r>
+            <a:r>
+              <a:rPr lang="it-IT" sz="1600" b="1" dirty="0" err="1">
+                <a:latin typeface="Courier New" panose="02070309020205020404" pitchFamily="49" charset="0"/>
+                <a:cs typeface="Courier New" panose="02070309020205020404" pitchFamily="49" charset="0"/>
+              </a:rPr>
+              <a:t>mutex</a:t>
+            </a:r>
+            <a:r>
+              <a:rPr lang="it-IT" sz="1600" b="1" dirty="0">
+                <a:latin typeface="Courier New" panose="02070309020205020404" pitchFamily="49" charset="0"/>
+                <a:cs typeface="Courier New" panose="02070309020205020404" pitchFamily="49" charset="0"/>
+              </a:rPr>
+              <a:t> forchette[5];</a:t>
+            </a:r>
+          </a:p>
+          <a:p>
+            <a:pPr marL="0" indent="0">
+              <a:buNone/>
+            </a:pPr>
+            <a:r>
+              <a:rPr lang="it-IT" sz="1600" b="1" dirty="0">
+                <a:latin typeface="Courier New" panose="02070309020205020404" pitchFamily="49" charset="0"/>
+                <a:cs typeface="Courier New" panose="02070309020205020404" pitchFamily="49" charset="0"/>
+              </a:rPr>
+              <a:t> </a:t>
+            </a:r>
+            <a:r>
+              <a:rPr lang="it-IT" sz="1600" b="1" dirty="0" err="1">
+                <a:latin typeface="Courier New" panose="02070309020205020404" pitchFamily="49" charset="0"/>
+                <a:cs typeface="Courier New" panose="02070309020205020404" pitchFamily="49" charset="0"/>
+              </a:rPr>
+              <a:t>thread</a:t>
+            </a:r>
+            <a:r>
+              <a:rPr lang="it-IT" sz="1600" b="1" dirty="0">
+                <a:latin typeface="Courier New" panose="02070309020205020404" pitchFamily="49" charset="0"/>
+                <a:cs typeface="Courier New" panose="02070309020205020404" pitchFamily="49" charset="0"/>
+              </a:rPr>
+              <a:t>* </a:t>
+            </a:r>
+            <a:r>
+              <a:rPr lang="it-IT" sz="1600" b="1" dirty="0" err="1">
+                <a:latin typeface="Courier New" panose="02070309020205020404" pitchFamily="49" charset="0"/>
+                <a:cs typeface="Courier New" panose="02070309020205020404" pitchFamily="49" charset="0"/>
+              </a:rPr>
+              <a:t>threads</a:t>
+            </a:r>
+            <a:r>
+              <a:rPr lang="it-IT" sz="1600" b="1" dirty="0">
+                <a:latin typeface="Courier New" panose="02070309020205020404" pitchFamily="49" charset="0"/>
+                <a:cs typeface="Courier New" panose="02070309020205020404" pitchFamily="49" charset="0"/>
+              </a:rPr>
+              <a:t>[5];</a:t>
+            </a:r>
+          </a:p>
+          <a:p>
+            <a:pPr marL="0" indent="0">
+              <a:buNone/>
+            </a:pPr>
+            <a:r>
+              <a:rPr lang="it-IT" sz="1600" b="1" dirty="0">
+                <a:latin typeface="Courier New" panose="02070309020205020404" pitchFamily="49" charset="0"/>
+                <a:cs typeface="Courier New" panose="02070309020205020404" pitchFamily="49" charset="0"/>
+              </a:rPr>
+              <a:t> for(</a:t>
+            </a:r>
+            <a:r>
+              <a:rPr lang="it-IT" sz="1600" b="1" dirty="0" err="1">
+                <a:latin typeface="Courier New" panose="02070309020205020404" pitchFamily="49" charset="0"/>
+                <a:cs typeface="Courier New" panose="02070309020205020404" pitchFamily="49" charset="0"/>
+              </a:rPr>
+              <a:t>int</a:t>
+            </a:r>
+            <a:r>
+              <a:rPr lang="it-IT" sz="1600" b="1" dirty="0">
+                <a:latin typeface="Courier New" panose="02070309020205020404" pitchFamily="49" charset="0"/>
+                <a:cs typeface="Courier New" panose="02070309020205020404" pitchFamily="49" charset="0"/>
+              </a:rPr>
+              <a:t> f=0; f&lt;5; f++) {</a:t>
+            </a:r>
+          </a:p>
+          <a:p>
+            <a:pPr marL="0" indent="0">
+              <a:buNone/>
+            </a:pPr>
+            <a:r>
+              <a:rPr lang="it-IT" sz="1600" b="1" dirty="0">
+                <a:latin typeface="Courier New" panose="02070309020205020404" pitchFamily="49" charset="0"/>
+                <a:cs typeface="Courier New" panose="02070309020205020404" pitchFamily="49" charset="0"/>
+              </a:rPr>
+              <a:t>   filosofi[f]=new Filosofo(f, </a:t>
+            </a:r>
+          </a:p>
+          <a:p>
+            <a:pPr marL="0" indent="0">
+              <a:buNone/>
+            </a:pPr>
+            <a:r>
+              <a:rPr lang="it-IT" sz="1600" b="1" dirty="0">
+                <a:latin typeface="Courier New" panose="02070309020205020404" pitchFamily="49" charset="0"/>
+                <a:cs typeface="Courier New" panose="02070309020205020404" pitchFamily="49" charset="0"/>
+              </a:rPr>
+              <a:t>	&amp;forchette[f],</a:t>
+            </a:r>
+          </a:p>
+          <a:p>
+            <a:pPr marL="0" indent="0">
+              <a:buNone/>
+            </a:pPr>
+            <a:r>
+              <a:rPr lang="it-IT" sz="1600" b="1" dirty="0">
+                <a:latin typeface="Courier New" panose="02070309020205020404" pitchFamily="49" charset="0"/>
+                <a:cs typeface="Courier New" panose="02070309020205020404" pitchFamily="49" charset="0"/>
+              </a:rPr>
+              <a:t>        &amp;forchette[(f+1)%5],pensiero[f]);</a:t>
+            </a:r>
+          </a:p>
+          <a:p>
+            <a:pPr marL="0" indent="0">
+              <a:buNone/>
+            </a:pPr>
+            <a:r>
+              <a:rPr lang="it-IT" sz="1600" b="1" dirty="0">
+                <a:latin typeface="Courier New" panose="02070309020205020404" pitchFamily="49" charset="0"/>
+                <a:cs typeface="Courier New" panose="02070309020205020404" pitchFamily="49" charset="0"/>
+              </a:rPr>
+              <a:t>   </a:t>
+            </a:r>
+            <a:r>
+              <a:rPr lang="it-IT" sz="1600" b="1" dirty="0" err="1">
+                <a:latin typeface="Courier New" panose="02070309020205020404" pitchFamily="49" charset="0"/>
+                <a:cs typeface="Courier New" panose="02070309020205020404" pitchFamily="49" charset="0"/>
+              </a:rPr>
+              <a:t>threads</a:t>
+            </a:r>
+            <a:r>
+              <a:rPr lang="it-IT" sz="1600" b="1" dirty="0">
+                <a:latin typeface="Courier New" panose="02070309020205020404" pitchFamily="49" charset="0"/>
+                <a:cs typeface="Courier New" panose="02070309020205020404" pitchFamily="49" charset="0"/>
+              </a:rPr>
+              <a:t>[f]= new </a:t>
+            </a:r>
+            <a:r>
+              <a:rPr lang="it-IT" sz="1600" b="1" dirty="0" err="1">
+                <a:latin typeface="Courier New" panose="02070309020205020404" pitchFamily="49" charset="0"/>
+                <a:cs typeface="Courier New" panose="02070309020205020404" pitchFamily="49" charset="0"/>
+              </a:rPr>
+              <a:t>thread</a:t>
+            </a:r>
+            <a:r>
+              <a:rPr lang="it-IT" sz="1600" b="1" dirty="0">
+                <a:latin typeface="Courier New" panose="02070309020205020404" pitchFamily="49" charset="0"/>
+                <a:cs typeface="Courier New" panose="02070309020205020404" pitchFamily="49" charset="0"/>
+              </a:rPr>
+              <a:t>(*filosofi[f]);</a:t>
+            </a:r>
+          </a:p>
+          <a:p>
+            <a:pPr marL="0" indent="0">
+              <a:buNone/>
+            </a:pPr>
+            <a:r>
+              <a:rPr lang="it-IT" sz="1600" b="1" dirty="0">
+                <a:latin typeface="Courier New" panose="02070309020205020404" pitchFamily="49" charset="0"/>
+                <a:cs typeface="Courier New" panose="02070309020205020404" pitchFamily="49" charset="0"/>
+              </a:rPr>
+              <a:t> }</a:t>
+            </a:r>
+          </a:p>
+          <a:p>
+            <a:pPr marL="0" indent="0">
+              <a:buNone/>
+            </a:pPr>
+            <a:r>
+              <a:rPr lang="it-IT" sz="1600" b="1" dirty="0">
+                <a:latin typeface="Courier New" panose="02070309020205020404" pitchFamily="49" charset="0"/>
+                <a:cs typeface="Courier New" panose="02070309020205020404" pitchFamily="49" charset="0"/>
+              </a:rPr>
+              <a:t> for(</a:t>
+            </a:r>
+            <a:r>
+              <a:rPr lang="it-IT" sz="1600" b="1" dirty="0" err="1">
+                <a:latin typeface="Courier New" panose="02070309020205020404" pitchFamily="49" charset="0"/>
+                <a:cs typeface="Courier New" panose="02070309020205020404" pitchFamily="49" charset="0"/>
+              </a:rPr>
+              <a:t>int</a:t>
+            </a:r>
+            <a:r>
+              <a:rPr lang="it-IT" sz="1600" b="1" dirty="0">
+                <a:latin typeface="Courier New" panose="02070309020205020404" pitchFamily="49" charset="0"/>
+                <a:cs typeface="Courier New" panose="02070309020205020404" pitchFamily="49" charset="0"/>
+              </a:rPr>
+              <a:t> f=0; f&lt;5; f++) {</a:t>
+            </a:r>
+          </a:p>
+          <a:p>
+            <a:pPr marL="0" indent="0">
+              <a:buNone/>
+            </a:pPr>
+            <a:r>
+              <a:rPr lang="it-IT" sz="1600" b="1" dirty="0">
+                <a:latin typeface="Courier New" panose="02070309020205020404" pitchFamily="49" charset="0"/>
+                <a:cs typeface="Courier New" panose="02070309020205020404" pitchFamily="49" charset="0"/>
+              </a:rPr>
+              <a:t>   </a:t>
+            </a:r>
+            <a:r>
+              <a:rPr lang="it-IT" sz="1600" b="1" dirty="0" err="1">
+                <a:latin typeface="Courier New" panose="02070309020205020404" pitchFamily="49" charset="0"/>
+                <a:cs typeface="Courier New" panose="02070309020205020404" pitchFamily="49" charset="0"/>
+              </a:rPr>
+              <a:t>threads</a:t>
+            </a:r>
+            <a:r>
+              <a:rPr lang="it-IT" sz="1600" b="1" dirty="0">
+                <a:latin typeface="Courier New" panose="02070309020205020404" pitchFamily="49" charset="0"/>
+                <a:cs typeface="Courier New" panose="02070309020205020404" pitchFamily="49" charset="0"/>
+              </a:rPr>
+              <a:t>[f]-&gt;join();</a:t>
+            </a:r>
+          </a:p>
+          <a:p>
+            <a:pPr marL="0" indent="0">
+              <a:buNone/>
+            </a:pPr>
+            <a:r>
+              <a:rPr lang="it-IT" sz="1600" b="1" dirty="0">
+                <a:latin typeface="Courier New" panose="02070309020205020404" pitchFamily="49" charset="0"/>
+                <a:cs typeface="Courier New" panose="02070309020205020404" pitchFamily="49" charset="0"/>
+              </a:rPr>
+              <a:t> }</a:t>
+            </a:r>
+          </a:p>
+          <a:p>
+            <a:pPr marL="0" indent="0">
+              <a:buNone/>
+            </a:pPr>
+            <a:r>
+              <a:rPr lang="it-IT" sz="1600" b="1" dirty="0">
+                <a:latin typeface="Courier New" panose="02070309020205020404" pitchFamily="49" charset="0"/>
+                <a:cs typeface="Courier New" panose="02070309020205020404" pitchFamily="49" charset="0"/>
+              </a:rPr>
+              <a:t>}</a:t>
+            </a:r>
+          </a:p>
+        </p:txBody>
+      </p:sp>
+      <p:sp>
+        <p:nvSpPr>
+          <p:cNvPr id="7" name="Segnaposto contenuto 6">
+            <a:extLst>
+              <a:ext uri="{FF2B5EF4-FFF2-40B4-BE49-F238E27FC236}">
+                <a16:creationId xmlns:a16="http://schemas.microsoft.com/office/drawing/2014/main" id="{7B7860AC-9732-48B2-AA3D-2F39741E4B56}"/>
+              </a:ext>
+            </a:extLst>
+          </p:cNvPr>
+          <p:cNvSpPr>
+            <a:spLocks noGrp="1"/>
+          </p:cNvSpPr>
+          <p:nvPr>
+            <p:ph sz="half" idx="2"/>
+          </p:nvPr>
+        </p:nvSpPr>
+        <p:spPr/>
+        <p:txBody>
+          <a:bodyPr/>
+          <a:lstStyle/>
+          <a:p>
+            <a:r>
+              <a:rPr lang="it-IT" sz="2000" dirty="0">
+                <a:cs typeface="Courier New" panose="02070309020205020404" pitchFamily="49" charset="0"/>
+              </a:rPr>
+              <a:t>al </a:t>
+            </a:r>
+            <a:r>
+              <a:rPr lang="it-IT" sz="2000" b="1" i="1" dirty="0">
+                <a:cs typeface="Courier New" panose="02070309020205020404" pitchFamily="49" charset="0"/>
+              </a:rPr>
+              <a:t>filosofo</a:t>
+            </a:r>
+            <a:r>
+              <a:rPr lang="it-IT" sz="2000" dirty="0">
+                <a:cs typeface="Courier New" panose="02070309020205020404" pitchFamily="49" charset="0"/>
+              </a:rPr>
+              <a:t> </a:t>
+            </a:r>
+            <a:r>
+              <a:rPr lang="it-IT" sz="2000" b="1" i="1" dirty="0">
+                <a:cs typeface="Courier New" panose="02070309020205020404" pitchFamily="49" charset="0"/>
+              </a:rPr>
+              <a:t>f</a:t>
+            </a:r>
+            <a:r>
+              <a:rPr lang="it-IT" sz="2000" dirty="0">
+                <a:cs typeface="Courier New" panose="02070309020205020404" pitchFamily="49" charset="0"/>
+              </a:rPr>
+              <a:t> vengono assegnate le </a:t>
+            </a:r>
+            <a:r>
+              <a:rPr lang="it-IT" sz="2000" b="1" i="1" dirty="0">
+                <a:cs typeface="Courier New" panose="02070309020205020404" pitchFamily="49" charset="0"/>
+              </a:rPr>
+              <a:t>forchette</a:t>
+            </a:r>
+            <a:r>
+              <a:rPr lang="it-IT" sz="2000" dirty="0">
+                <a:cs typeface="Courier New" panose="02070309020205020404" pitchFamily="49" charset="0"/>
+              </a:rPr>
+              <a:t> </a:t>
+            </a:r>
+            <a:r>
+              <a:rPr lang="it-IT" sz="2000" b="1" i="1" dirty="0">
+                <a:cs typeface="Courier New" panose="02070309020205020404" pitchFamily="49" charset="0"/>
+              </a:rPr>
+              <a:t>f</a:t>
+            </a:r>
+            <a:r>
+              <a:rPr lang="it-IT" sz="2000" dirty="0">
+                <a:cs typeface="Courier New" panose="02070309020205020404" pitchFamily="49" charset="0"/>
+              </a:rPr>
+              <a:t> e </a:t>
+            </a:r>
+            <a:r>
+              <a:rPr lang="it-IT" sz="2000" b="1" i="1" dirty="0">
+                <a:cs typeface="Courier New" panose="02070309020205020404" pitchFamily="49" charset="0"/>
+              </a:rPr>
+              <a:t>f+1 </a:t>
+            </a:r>
+            <a:r>
+              <a:rPr lang="it-IT" sz="2000" dirty="0">
+                <a:cs typeface="Courier New" panose="02070309020205020404" pitchFamily="49" charset="0"/>
+              </a:rPr>
+              <a:t>che sono rappresentate da </a:t>
+            </a:r>
+            <a:r>
+              <a:rPr lang="it-IT" sz="2000" b="1" i="1" dirty="0" err="1">
+                <a:cs typeface="Courier New" panose="02070309020205020404" pitchFamily="49" charset="0"/>
+              </a:rPr>
+              <a:t>mutex</a:t>
+            </a:r>
+            <a:endParaRPr lang="it-IT" sz="2000" b="1" i="1" dirty="0">
+              <a:cs typeface="Courier New" panose="02070309020205020404" pitchFamily="49" charset="0"/>
+            </a:endParaRPr>
+          </a:p>
+          <a:p>
+            <a:r>
+              <a:rPr lang="it-IT" sz="2000" dirty="0">
+                <a:cs typeface="Courier New" panose="02070309020205020404" pitchFamily="49" charset="0"/>
+              </a:rPr>
+              <a:t>ogni </a:t>
+            </a:r>
+            <a:r>
+              <a:rPr lang="it-IT" sz="2000" b="1" i="1" dirty="0">
+                <a:cs typeface="Courier New" panose="02070309020205020404" pitchFamily="49" charset="0"/>
+              </a:rPr>
+              <a:t>filosofo</a:t>
+            </a:r>
+            <a:r>
+              <a:rPr lang="it-IT" sz="2000" dirty="0">
+                <a:cs typeface="Courier New" panose="02070309020205020404" pitchFamily="49" charset="0"/>
+              </a:rPr>
+              <a:t> è rappresentato da un </a:t>
+            </a:r>
+            <a:r>
+              <a:rPr lang="it-IT" sz="2000" b="1" i="1" dirty="0" err="1">
+                <a:cs typeface="Courier New" panose="02070309020205020404" pitchFamily="49" charset="0"/>
+              </a:rPr>
+              <a:t>thread</a:t>
+            </a:r>
+            <a:r>
+              <a:rPr lang="it-IT" sz="2000" dirty="0">
+                <a:cs typeface="Courier New" panose="02070309020205020404" pitchFamily="49" charset="0"/>
+              </a:rPr>
+              <a:t> che opera in concorrenza sugli altri mediante i </a:t>
+            </a:r>
+            <a:r>
+              <a:rPr lang="it-IT" sz="2000" dirty="0" err="1">
+                <a:cs typeface="Courier New" panose="02070309020205020404" pitchFamily="49" charset="0"/>
+              </a:rPr>
+              <a:t>mutex</a:t>
+            </a:r>
+            <a:endParaRPr lang="it-IT" sz="2000" dirty="0">
+              <a:cs typeface="Courier New" panose="02070309020205020404" pitchFamily="49" charset="0"/>
+            </a:endParaRPr>
+          </a:p>
+          <a:p>
+            <a:r>
+              <a:rPr lang="it-IT" sz="2000" dirty="0">
+                <a:cs typeface="Courier New" panose="02070309020205020404" pitchFamily="49" charset="0"/>
+              </a:rPr>
+              <a:t>il processo </a:t>
+            </a:r>
+            <a:r>
+              <a:rPr lang="it-IT" sz="2000" b="1" i="1" dirty="0">
+                <a:cs typeface="Courier New" panose="02070309020205020404" pitchFamily="49" charset="0"/>
+              </a:rPr>
+              <a:t>termina</a:t>
+            </a:r>
+            <a:r>
+              <a:rPr lang="it-IT" sz="2000" dirty="0">
+                <a:cs typeface="Courier New" panose="02070309020205020404" pitchFamily="49" charset="0"/>
+              </a:rPr>
+              <a:t> quando sono terminati tutti i </a:t>
+            </a:r>
+            <a:r>
+              <a:rPr lang="it-IT" sz="2000" dirty="0" err="1">
+                <a:cs typeface="Courier New" panose="02070309020205020404" pitchFamily="49" charset="0"/>
+              </a:rPr>
+              <a:t>thread</a:t>
+            </a:r>
+            <a:r>
+              <a:rPr lang="it-IT" sz="2000" dirty="0">
+                <a:cs typeface="Courier New" panose="02070309020205020404" pitchFamily="49" charset="0"/>
+              </a:rPr>
+              <a:t> (</a:t>
+            </a:r>
+            <a:r>
+              <a:rPr lang="it-IT" sz="2000" i="1" dirty="0">
+                <a:cs typeface="Courier New" panose="02070309020205020404" pitchFamily="49" charset="0"/>
+              </a:rPr>
+              <a:t>ogni filosofo ha pensato e mangiato per 3 volte</a:t>
+            </a:r>
+            <a:r>
+              <a:rPr lang="it-IT" sz="2000" dirty="0">
+                <a:cs typeface="Courier New" panose="02070309020205020404" pitchFamily="49" charset="0"/>
+              </a:rPr>
+              <a:t>)</a:t>
+            </a:r>
+          </a:p>
+        </p:txBody>
+      </p:sp>
+      <p:sp>
+        <p:nvSpPr>
+          <p:cNvPr id="4" name="Segnaposto piè di pagina 3">
+            <a:extLst>
+              <a:ext uri="{FF2B5EF4-FFF2-40B4-BE49-F238E27FC236}">
+                <a16:creationId xmlns:a16="http://schemas.microsoft.com/office/drawing/2014/main" id="{624AE661-65EA-4C21-8516-A66F1A1B41D9}"/>
+              </a:ext>
+            </a:extLst>
+          </p:cNvPr>
+          <p:cNvSpPr>
+            <a:spLocks noGrp="1"/>
+          </p:cNvSpPr>
+          <p:nvPr>
+            <p:ph type="ftr" sz="quarter" idx="11"/>
+          </p:nvPr>
+        </p:nvSpPr>
+        <p:spPr/>
+        <p:txBody>
+          <a:bodyPr/>
+          <a:lstStyle/>
+          <a:p>
+            <a:pPr>
+              <a:defRPr/>
+            </a:pPr>
+            <a:r>
+              <a:rPr lang="it-IT"/>
+              <a:t>Alberto Ferrari – Programmazione di applicazioni SW</a:t>
+            </a:r>
+            <a:endParaRPr lang="it-IT" dirty="0"/>
+          </a:p>
+        </p:txBody>
+      </p:sp>
+    </p:spTree>
+    <p:extLst>
+      <p:ext uri="{BB962C8B-B14F-4D97-AF65-F5344CB8AC3E}">
+        <p14:creationId xmlns:p14="http://schemas.microsoft.com/office/powerpoint/2010/main" val="3122793700"/>
+      </p:ext>
+    </p:extLst>
+  </p:cSld>
+  <p:clrMapOvr>
+    <a:masterClrMapping/>
+  </p:clrMapOvr>
+</p:sld>
+</file>
+
+<file path=ppt/slides/slide42.xml><?xml version="1.0" encoding="utf-8"?>
+<p:sld xmlns:a="http://schemas.openxmlformats.org/drawingml/2006/main" xmlns:r="http://schemas.openxmlformats.org/officeDocument/2006/relationships" xmlns:p="http://schemas.openxmlformats.org/presentationml/2006/main">
+  <p:cSld>
+    <p:spTree>
+      <p:nvGrpSpPr>
+        <p:cNvPr id="1" name=""/>
+        <p:cNvGrpSpPr/>
+        <p:nvPr/>
+      </p:nvGrpSpPr>
+      <p:grpSpPr>
+        <a:xfrm>
+          <a:off x="0" y="0"/>
+          <a:ext cx="0" cy="0"/>
+          <a:chOff x="0" y="0"/>
+          <a:chExt cx="0" cy="0"/>
+        </a:xfrm>
+      </p:grpSpPr>
+      <p:sp>
+        <p:nvSpPr>
+          <p:cNvPr id="6" name="Titolo 5">
+            <a:extLst>
+              <a:ext uri="{FF2B5EF4-FFF2-40B4-BE49-F238E27FC236}">
+                <a16:creationId xmlns:a16="http://schemas.microsoft.com/office/drawing/2014/main" id="{6C3590C9-903C-49AF-AD9F-098625AD4D01}"/>
+              </a:ext>
+            </a:extLst>
+          </p:cNvPr>
+          <p:cNvSpPr>
+            <a:spLocks noGrp="1"/>
+          </p:cNvSpPr>
+          <p:nvPr>
+            <p:ph type="title"/>
+          </p:nvPr>
+        </p:nvSpPr>
+        <p:spPr/>
+        <p:txBody>
+          <a:bodyPr/>
+          <a:lstStyle/>
+          <a:p>
+            <a:r>
+              <a:rPr lang="it-IT" sz="2800" dirty="0"/>
+              <a:t>code di attesa</a:t>
+            </a:r>
+          </a:p>
+        </p:txBody>
+      </p:sp>
+      <p:sp>
+        <p:nvSpPr>
+          <p:cNvPr id="7" name="Segnaposto contenuto 6">
+            <a:extLst>
+              <a:ext uri="{FF2B5EF4-FFF2-40B4-BE49-F238E27FC236}">
+                <a16:creationId xmlns:a16="http://schemas.microsoft.com/office/drawing/2014/main" id="{DA16D9F6-F429-4664-92ED-B713EFEB2EA0}"/>
+              </a:ext>
+            </a:extLst>
+          </p:cNvPr>
+          <p:cNvSpPr>
+            <a:spLocks noGrp="1"/>
+          </p:cNvSpPr>
+          <p:nvPr>
+            <p:ph idx="1"/>
+          </p:nvPr>
+        </p:nvSpPr>
+        <p:spPr/>
+        <p:txBody>
+          <a:bodyPr/>
+          <a:lstStyle/>
+          <a:p>
+            <a:r>
+              <a:rPr lang="it-IT" dirty="0"/>
+              <a:t>la gestione delle </a:t>
+            </a:r>
+            <a:r>
+              <a:rPr lang="it-IT" b="1" i="1" dirty="0"/>
+              <a:t>code di attesa </a:t>
+            </a:r>
+            <a:r>
+              <a:rPr lang="it-IT" dirty="0"/>
+              <a:t>permette di </a:t>
+            </a:r>
+            <a:r>
+              <a:rPr lang="it-IT" b="1" i="1" dirty="0"/>
+              <a:t>sospendere</a:t>
+            </a:r>
+            <a:r>
+              <a:rPr lang="it-IT" dirty="0"/>
+              <a:t> uno o più </a:t>
+            </a:r>
+            <a:r>
+              <a:rPr lang="it-IT" b="1" i="1" dirty="0" err="1"/>
+              <a:t>thread</a:t>
+            </a:r>
+            <a:r>
+              <a:rPr lang="it-IT" dirty="0"/>
+              <a:t> fino al verificarsi di un certo </a:t>
+            </a:r>
+            <a:r>
+              <a:rPr lang="it-IT" b="1" i="1" dirty="0"/>
+              <a:t>evento</a:t>
+            </a:r>
+            <a:r>
+              <a:rPr lang="it-IT" dirty="0"/>
+              <a:t> (</a:t>
+            </a:r>
+            <a:r>
+              <a:rPr lang="it-IT" i="1" dirty="0"/>
+              <a:t>o lo scadere di un </a:t>
+            </a:r>
+            <a:r>
+              <a:rPr lang="it-IT" i="1" dirty="0" err="1"/>
+              <a:t>timeout</a:t>
+            </a:r>
+            <a:r>
+              <a:rPr lang="it-IT" dirty="0"/>
+              <a:t>)</a:t>
+            </a:r>
+          </a:p>
+          <a:p>
+            <a:r>
+              <a:rPr lang="it-IT" dirty="0"/>
+              <a:t>per gestire le code di attesa la STL mette a disposizione le </a:t>
+            </a:r>
+            <a:r>
+              <a:rPr lang="it-IT" b="1" i="1" dirty="0" err="1"/>
+              <a:t>condition_variable</a:t>
+            </a:r>
+            <a:endParaRPr lang="it-IT" b="1" i="1" dirty="0"/>
+          </a:p>
+          <a:p>
+            <a:r>
+              <a:rPr lang="it-IT" dirty="0"/>
+              <a:t>gli oggetti </a:t>
+            </a:r>
+            <a:r>
+              <a:rPr lang="it-IT" dirty="0" err="1"/>
+              <a:t>condition_variable</a:t>
+            </a:r>
+            <a:r>
+              <a:rPr lang="it-IT" dirty="0"/>
+              <a:t> mettono a disposizione tre metodi fondamentali:</a:t>
+            </a:r>
+          </a:p>
+          <a:p>
+            <a:pPr lvl="1"/>
+            <a:r>
+              <a:rPr lang="it-IT" b="1" i="1" dirty="0" err="1"/>
+              <a:t>wait</a:t>
+            </a:r>
+            <a:r>
+              <a:rPr lang="it-IT" b="1" i="1" dirty="0"/>
+              <a:t>() </a:t>
+            </a:r>
+            <a:r>
+              <a:rPr lang="it-IT" dirty="0"/>
+              <a:t>il </a:t>
+            </a:r>
+            <a:r>
+              <a:rPr lang="it-IT" dirty="0" err="1"/>
+              <a:t>thread</a:t>
+            </a:r>
+            <a:r>
+              <a:rPr lang="it-IT" dirty="0"/>
+              <a:t> si pone in </a:t>
+            </a:r>
+            <a:r>
+              <a:rPr lang="it-IT" b="1" i="1" dirty="0"/>
+              <a:t>attesa</a:t>
+            </a:r>
+            <a:r>
+              <a:rPr lang="it-IT" dirty="0"/>
+              <a:t> accodandosi alla </a:t>
+            </a:r>
+            <a:r>
+              <a:rPr lang="it-IT" dirty="0" err="1"/>
+              <a:t>condition</a:t>
+            </a:r>
+            <a:endParaRPr lang="it-IT" dirty="0"/>
+          </a:p>
+          <a:p>
+            <a:pPr lvl="1"/>
+            <a:r>
+              <a:rPr lang="it-IT" b="1" i="1" dirty="0" err="1"/>
+              <a:t>notify_one</a:t>
+            </a:r>
+            <a:r>
+              <a:rPr lang="it-IT" b="1" i="1" dirty="0"/>
+              <a:t>() </a:t>
+            </a:r>
+            <a:r>
+              <a:rPr lang="it-IT" dirty="0"/>
+              <a:t>viene «risvegliato» un </a:t>
+            </a:r>
+            <a:r>
+              <a:rPr lang="it-IT" dirty="0" err="1"/>
+              <a:t>thread</a:t>
+            </a:r>
+            <a:r>
+              <a:rPr lang="it-IT" dirty="0"/>
+              <a:t> in coda alla </a:t>
+            </a:r>
+            <a:r>
+              <a:rPr lang="it-IT" dirty="0" err="1"/>
+              <a:t>condition</a:t>
+            </a:r>
+            <a:endParaRPr lang="it-IT" dirty="0"/>
+          </a:p>
+          <a:p>
+            <a:pPr lvl="1"/>
+            <a:r>
+              <a:rPr lang="it-IT" b="1" i="1" dirty="0" err="1"/>
+              <a:t>notify_all</a:t>
+            </a:r>
+            <a:r>
+              <a:rPr lang="it-IT" b="1" i="1" dirty="0"/>
+              <a:t>() </a:t>
+            </a:r>
+            <a:r>
+              <a:rPr lang="it-IT" dirty="0"/>
+              <a:t>vengono risvegliati tutti i </a:t>
+            </a:r>
+            <a:r>
+              <a:rPr lang="it-IT" dirty="0" err="1"/>
+              <a:t>thread</a:t>
+            </a:r>
+            <a:r>
+              <a:rPr lang="it-IT" dirty="0"/>
+              <a:t> in attesa sulla coda </a:t>
+            </a:r>
+          </a:p>
+        </p:txBody>
+      </p:sp>
+      <p:sp>
+        <p:nvSpPr>
+          <p:cNvPr id="5" name="Segnaposto piè di pagina 4">
+            <a:extLst>
+              <a:ext uri="{FF2B5EF4-FFF2-40B4-BE49-F238E27FC236}">
+                <a16:creationId xmlns:a16="http://schemas.microsoft.com/office/drawing/2014/main" id="{B71C719E-2DAF-4B24-AF0F-E4704AF420F5}"/>
+              </a:ext>
+            </a:extLst>
+          </p:cNvPr>
+          <p:cNvSpPr>
+            <a:spLocks noGrp="1"/>
+          </p:cNvSpPr>
+          <p:nvPr>
+            <p:ph type="ftr" sz="quarter" idx="11"/>
+          </p:nvPr>
+        </p:nvSpPr>
+        <p:spPr/>
+        <p:txBody>
+          <a:bodyPr/>
+          <a:lstStyle/>
+          <a:p>
+            <a:pPr>
+              <a:defRPr/>
+            </a:pPr>
+            <a:r>
+              <a:rPr lang="it-IT"/>
+              <a:t>Alberto Ferrari – Programmazione di applicazioni SW</a:t>
+            </a:r>
+            <a:endParaRPr lang="it-IT" dirty="0"/>
+          </a:p>
+        </p:txBody>
+      </p:sp>
+    </p:spTree>
+    <p:extLst>
+      <p:ext uri="{BB962C8B-B14F-4D97-AF65-F5344CB8AC3E}">
+        <p14:creationId xmlns:p14="http://schemas.microsoft.com/office/powerpoint/2010/main" val="1376224350"/>
+      </p:ext>
+    </p:extLst>
+  </p:cSld>
+  <p:clrMapOvr>
+    <a:masterClrMapping/>
+  </p:clrMapOvr>
+</p:sld>
+</file>
+
+<file path=ppt/slides/slide43.xml><?xml version="1.0" encoding="utf-8"?>
+<p:sld xmlns:a="http://schemas.openxmlformats.org/drawingml/2006/main" xmlns:r="http://schemas.openxmlformats.org/officeDocument/2006/relationships" xmlns:p="http://schemas.openxmlformats.org/presentationml/2006/main">
+  <p:cSld>
+    <p:spTree>
+      <p:nvGrpSpPr>
+        <p:cNvPr id="1" name=""/>
+        <p:cNvGrpSpPr/>
+        <p:nvPr/>
+      </p:nvGrpSpPr>
+      <p:grpSpPr>
+        <a:xfrm>
+          <a:off x="0" y="0"/>
+          <a:ext cx="0" cy="0"/>
+          <a:chOff x="0" y="0"/>
+          <a:chExt cx="0" cy="0"/>
+        </a:xfrm>
+      </p:grpSpPr>
+      <p:sp>
+        <p:nvSpPr>
+          <p:cNvPr id="2" name="Titolo 1">
+            <a:extLst>
+              <a:ext uri="{FF2B5EF4-FFF2-40B4-BE49-F238E27FC236}">
+                <a16:creationId xmlns:a16="http://schemas.microsoft.com/office/drawing/2014/main" id="{6019F821-F9A4-4B85-A9D5-0C17FE1765EF}"/>
+              </a:ext>
+            </a:extLst>
+          </p:cNvPr>
+          <p:cNvSpPr>
+            <a:spLocks noGrp="1"/>
+          </p:cNvSpPr>
+          <p:nvPr>
+            <p:ph type="title"/>
+          </p:nvPr>
+        </p:nvSpPr>
+        <p:spPr/>
+        <p:txBody>
+          <a:bodyPr/>
+          <a:lstStyle/>
+          <a:p>
+            <a:r>
+              <a:rPr lang="it-IT" sz="2800" dirty="0" err="1"/>
+              <a:t>condition</a:t>
+            </a:r>
+            <a:r>
+              <a:rPr lang="it-IT" sz="2800" dirty="0"/>
+              <a:t> e </a:t>
+            </a:r>
+            <a:r>
+              <a:rPr lang="it-IT" sz="2800" dirty="0" err="1"/>
+              <a:t>mutex</a:t>
+            </a:r>
+            <a:endParaRPr lang="it-IT" sz="2800" dirty="0"/>
+          </a:p>
+        </p:txBody>
+      </p:sp>
+      <p:sp>
+        <p:nvSpPr>
+          <p:cNvPr id="3" name="Segnaposto contenuto 2">
+            <a:extLst>
+              <a:ext uri="{FF2B5EF4-FFF2-40B4-BE49-F238E27FC236}">
+                <a16:creationId xmlns:a16="http://schemas.microsoft.com/office/drawing/2014/main" id="{C6E694C3-D87F-41E8-A2BD-B3E819E65146}"/>
+              </a:ext>
+            </a:extLst>
+          </p:cNvPr>
+          <p:cNvSpPr>
+            <a:spLocks noGrp="1"/>
+          </p:cNvSpPr>
+          <p:nvPr>
+            <p:ph idx="1"/>
+          </p:nvPr>
+        </p:nvSpPr>
+        <p:spPr/>
+        <p:txBody>
+          <a:bodyPr/>
+          <a:lstStyle/>
+          <a:p>
+            <a:r>
+              <a:rPr lang="it-IT" dirty="0"/>
+              <a:t>a una </a:t>
+            </a:r>
+            <a:r>
+              <a:rPr lang="it-IT" dirty="0" err="1"/>
+              <a:t>condition</a:t>
+            </a:r>
+            <a:r>
+              <a:rPr lang="it-IT" dirty="0"/>
+              <a:t> è sempre associato un </a:t>
+            </a:r>
+            <a:r>
+              <a:rPr lang="it-IT" b="1" i="1" dirty="0" err="1"/>
+              <a:t>mutex</a:t>
+            </a:r>
+            <a:r>
+              <a:rPr lang="it-IT" dirty="0"/>
+              <a:t> per evitare race </a:t>
+            </a:r>
+            <a:r>
+              <a:rPr lang="it-IT" dirty="0" err="1"/>
+              <a:t>condition</a:t>
+            </a:r>
+            <a:r>
+              <a:rPr lang="it-IT" dirty="0"/>
+              <a:t> </a:t>
+            </a:r>
+          </a:p>
+          <a:p>
+            <a:pPr lvl="1"/>
+            <a:r>
+              <a:rPr lang="it-IT" dirty="0"/>
+              <a:t>esempio: </a:t>
+            </a:r>
+            <a:r>
+              <a:rPr lang="it-IT" dirty="0" err="1"/>
+              <a:t>thread</a:t>
+            </a:r>
+            <a:r>
+              <a:rPr lang="it-IT" dirty="0"/>
+              <a:t> che esegue una </a:t>
+            </a:r>
+            <a:r>
+              <a:rPr lang="it-IT" dirty="0" err="1"/>
+              <a:t>wait</a:t>
+            </a:r>
+            <a:r>
+              <a:rPr lang="it-IT" dirty="0"/>
+              <a:t> mentre un altro </a:t>
+            </a:r>
+            <a:r>
+              <a:rPr lang="it-IT" dirty="0" err="1"/>
+              <a:t>thread</a:t>
+            </a:r>
+            <a:r>
+              <a:rPr lang="it-IT" dirty="0"/>
+              <a:t> esegue un </a:t>
+            </a:r>
+            <a:r>
+              <a:rPr lang="it-IT" dirty="0" err="1"/>
+              <a:t>notify</a:t>
+            </a:r>
+            <a:endParaRPr lang="it-IT" dirty="0"/>
+          </a:p>
+          <a:p>
+            <a:pPr lvl="1"/>
+            <a:r>
+              <a:rPr lang="it-IT" dirty="0" err="1"/>
+              <a:t>notify</a:t>
+            </a:r>
+            <a:r>
+              <a:rPr lang="it-IT" dirty="0"/>
+              <a:t> potrebbe avvenire contemporaneamente alla </a:t>
+            </a:r>
+            <a:r>
+              <a:rPr lang="it-IT" dirty="0" err="1"/>
+              <a:t>wait</a:t>
+            </a:r>
+            <a:r>
+              <a:rPr lang="it-IT" dirty="0"/>
+              <a:t> e venire quindi persa creando un </a:t>
+            </a:r>
+            <a:r>
+              <a:rPr lang="it-IT" dirty="0" err="1"/>
+              <a:t>deadlock</a:t>
+            </a:r>
+            <a:endParaRPr lang="it-IT" dirty="0"/>
+          </a:p>
+          <a:p>
+            <a:r>
+              <a:rPr lang="it-IT" dirty="0"/>
+              <a:t>qualche </a:t>
+            </a:r>
+            <a:r>
+              <a:rPr lang="it-IT" b="1" i="1" dirty="0"/>
+              <a:t>problema</a:t>
+            </a:r>
+            <a:r>
+              <a:rPr lang="it-IT" dirty="0"/>
+              <a:t> di implementazione:</a:t>
+            </a:r>
+          </a:p>
+          <a:p>
+            <a:pPr lvl="1"/>
+            <a:r>
+              <a:rPr lang="it-IT" dirty="0"/>
+              <a:t>non è sempre garantito che l’</a:t>
+            </a:r>
+            <a:r>
+              <a:rPr lang="it-IT" b="1" i="1" dirty="0"/>
+              <a:t>ordine</a:t>
+            </a:r>
+            <a:r>
+              <a:rPr lang="it-IT" dirty="0"/>
+              <a:t> in cui i </a:t>
+            </a:r>
+            <a:r>
+              <a:rPr lang="it-IT" dirty="0" err="1"/>
+              <a:t>thread</a:t>
+            </a:r>
+            <a:r>
+              <a:rPr lang="it-IT" dirty="0"/>
+              <a:t> vengono riattivati sia uguale a quello in cui si sono inseriti in coda ( </a:t>
+            </a:r>
+            <a:r>
+              <a:rPr lang="it-IT" dirty="0">
+                <a:sym typeface="Symbol" panose="05050102010706020507" pitchFamily="18" charset="2"/>
+              </a:rPr>
+              <a:t> </a:t>
+            </a:r>
+            <a:r>
+              <a:rPr lang="it-IT" i="1" dirty="0">
+                <a:sym typeface="Symbol" panose="05050102010706020507" pitchFamily="18" charset="2"/>
+              </a:rPr>
+              <a:t>FIFO</a:t>
+            </a:r>
+            <a:r>
+              <a:rPr lang="it-IT" dirty="0">
+                <a:sym typeface="Symbol" panose="05050102010706020507" pitchFamily="18" charset="2"/>
+              </a:rPr>
+              <a:t>)</a:t>
+            </a:r>
+            <a:endParaRPr lang="it-IT" dirty="0"/>
+          </a:p>
+          <a:p>
+            <a:pPr lvl="1"/>
+            <a:r>
+              <a:rPr lang="it-IT" dirty="0"/>
+              <a:t>può succedere che </a:t>
+            </a:r>
+            <a:r>
+              <a:rPr lang="it-IT" b="1" i="1" dirty="0"/>
+              <a:t>più di un </a:t>
+            </a:r>
+            <a:r>
+              <a:rPr lang="it-IT" dirty="0" err="1"/>
+              <a:t>thread</a:t>
+            </a:r>
+            <a:r>
+              <a:rPr lang="it-IT" dirty="0"/>
+              <a:t> venga risvegliato</a:t>
+            </a:r>
+          </a:p>
+          <a:p>
+            <a:pPr lvl="2"/>
+            <a:r>
+              <a:rPr lang="it-IT" dirty="0"/>
+              <a:t>opportuno verificare nuovamente che la condizione per cui sono in attesa sia soddisfatta</a:t>
+            </a:r>
+          </a:p>
+        </p:txBody>
+      </p:sp>
+      <p:sp>
+        <p:nvSpPr>
+          <p:cNvPr id="4" name="Segnaposto piè di pagina 3">
+            <a:extLst>
+              <a:ext uri="{FF2B5EF4-FFF2-40B4-BE49-F238E27FC236}">
+                <a16:creationId xmlns:a16="http://schemas.microsoft.com/office/drawing/2014/main" id="{66D3966A-DD3C-420E-94B8-C6F6542C51F5}"/>
+              </a:ext>
+            </a:extLst>
+          </p:cNvPr>
+          <p:cNvSpPr>
+            <a:spLocks noGrp="1"/>
+          </p:cNvSpPr>
+          <p:nvPr>
+            <p:ph type="ftr" sz="quarter" idx="11"/>
+          </p:nvPr>
+        </p:nvSpPr>
+        <p:spPr/>
+        <p:txBody>
+          <a:bodyPr/>
+          <a:lstStyle/>
+          <a:p>
+            <a:pPr>
+              <a:defRPr/>
+            </a:pPr>
+            <a:r>
+              <a:rPr lang="it-IT"/>
+              <a:t>Alberto Ferrari – Programmazione di applicazioni SW</a:t>
+            </a:r>
+            <a:endParaRPr lang="it-IT" dirty="0"/>
+          </a:p>
+        </p:txBody>
+      </p:sp>
+    </p:spTree>
+    <p:extLst>
+      <p:ext uri="{BB962C8B-B14F-4D97-AF65-F5344CB8AC3E}">
+        <p14:creationId xmlns:p14="http://schemas.microsoft.com/office/powerpoint/2010/main" val="285362939"/>
+      </p:ext>
+    </p:extLst>
+  </p:cSld>
+  <p:clrMapOvr>
+    <a:masterClrMapping/>
+  </p:clrMapOvr>
+</p:sld>
+</file>
+
+<file path=ppt/slides/slide44.xml><?xml version="1.0" encoding="utf-8"?>
+<p:sld xmlns:a="http://schemas.openxmlformats.org/drawingml/2006/main" xmlns:r="http://schemas.openxmlformats.org/officeDocument/2006/relationships" xmlns:p="http://schemas.openxmlformats.org/presentationml/2006/main">
+  <p:cSld>
+    <p:spTree>
+      <p:nvGrpSpPr>
+        <p:cNvPr id="1" name=""/>
+        <p:cNvGrpSpPr/>
+        <p:nvPr/>
+      </p:nvGrpSpPr>
+      <p:grpSpPr>
+        <a:xfrm>
+          <a:off x="0" y="0"/>
+          <a:ext cx="0" cy="0"/>
+          <a:chOff x="0" y="0"/>
+          <a:chExt cx="0" cy="0"/>
+        </a:xfrm>
+      </p:grpSpPr>
+      <p:sp>
+        <p:nvSpPr>
+          <p:cNvPr id="2" name="Titolo 1">
+            <a:extLst>
+              <a:ext uri="{FF2B5EF4-FFF2-40B4-BE49-F238E27FC236}">
+                <a16:creationId xmlns:a16="http://schemas.microsoft.com/office/drawing/2014/main" id="{0529E832-F155-4C2C-BC28-6FB09DB825AE}"/>
+              </a:ext>
+            </a:extLst>
+          </p:cNvPr>
+          <p:cNvSpPr>
+            <a:spLocks noGrp="1"/>
+          </p:cNvSpPr>
+          <p:nvPr>
+            <p:ph type="title"/>
+          </p:nvPr>
+        </p:nvSpPr>
+        <p:spPr/>
+        <p:txBody>
+          <a:bodyPr/>
+          <a:lstStyle/>
+          <a:p>
+            <a:r>
+              <a:rPr lang="it-IT" sz="2800" dirty="0"/>
+              <a:t>esempio</a:t>
+            </a:r>
+          </a:p>
+        </p:txBody>
+      </p:sp>
+      <p:sp>
+        <p:nvSpPr>
+          <p:cNvPr id="5" name="Segnaposto contenuto 4">
+            <a:extLst>
+              <a:ext uri="{FF2B5EF4-FFF2-40B4-BE49-F238E27FC236}">
+                <a16:creationId xmlns:a16="http://schemas.microsoft.com/office/drawing/2014/main" id="{030B6AF2-527C-4AC1-82FD-5C69366D5C6A}"/>
+              </a:ext>
+            </a:extLst>
+          </p:cNvPr>
+          <p:cNvSpPr>
+            <a:spLocks noGrp="1"/>
+          </p:cNvSpPr>
+          <p:nvPr>
+            <p:ph sz="half" idx="1"/>
+          </p:nvPr>
+        </p:nvSpPr>
+        <p:spPr/>
+        <p:txBody>
+          <a:bodyPr/>
+          <a:lstStyle/>
+          <a:p>
+            <a:pPr marL="0" indent="0">
+              <a:buNone/>
+            </a:pPr>
+            <a:r>
+              <a:rPr lang="it-IT" sz="1600" b="1" dirty="0">
+                <a:latin typeface="Courier New" panose="02070309020205020404" pitchFamily="49" charset="0"/>
+                <a:cs typeface="Courier New" panose="02070309020205020404" pitchFamily="49" charset="0"/>
+              </a:rPr>
+              <a:t>class </a:t>
+            </a:r>
+            <a:r>
+              <a:rPr lang="it-IT" sz="1600" b="1" dirty="0">
+                <a:solidFill>
+                  <a:srgbClr val="FF0000"/>
+                </a:solidFill>
+                <a:latin typeface="Courier New" panose="02070309020205020404" pitchFamily="49" charset="0"/>
+                <a:cs typeface="Courier New" panose="02070309020205020404" pitchFamily="49" charset="0"/>
+              </a:rPr>
+              <a:t>Esecutore</a:t>
+            </a:r>
+            <a:r>
+              <a:rPr lang="it-IT" sz="1600" b="1" dirty="0">
+                <a:latin typeface="Courier New" panose="02070309020205020404" pitchFamily="49" charset="0"/>
+                <a:cs typeface="Courier New" panose="02070309020205020404" pitchFamily="49" charset="0"/>
+              </a:rPr>
+              <a:t> {</a:t>
+            </a:r>
+          </a:p>
+          <a:p>
+            <a:pPr marL="0" indent="0">
+              <a:buNone/>
+            </a:pPr>
+            <a:r>
+              <a:rPr lang="it-IT" sz="1600" b="1" dirty="0">
+                <a:latin typeface="Courier New" panose="02070309020205020404" pitchFamily="49" charset="0"/>
+                <a:cs typeface="Courier New" panose="02070309020205020404" pitchFamily="49" charset="0"/>
+              </a:rPr>
+              <a:t>public :</a:t>
+            </a:r>
+          </a:p>
+          <a:p>
+            <a:pPr marL="0" indent="0">
+              <a:buNone/>
+            </a:pPr>
+            <a:r>
+              <a:rPr lang="it-IT" sz="1600" b="1" dirty="0">
+                <a:latin typeface="Courier New" panose="02070309020205020404" pitchFamily="49" charset="0"/>
+                <a:cs typeface="Courier New" panose="02070309020205020404" pitchFamily="49" charset="0"/>
+              </a:rPr>
+              <a:t> </a:t>
+            </a:r>
+            <a:r>
+              <a:rPr lang="it-IT" sz="1600" b="1" dirty="0" err="1">
+                <a:latin typeface="Courier New" panose="02070309020205020404" pitchFamily="49" charset="0"/>
+                <a:cs typeface="Courier New" panose="02070309020205020404" pitchFamily="49" charset="0"/>
+              </a:rPr>
+              <a:t>int</a:t>
+            </a:r>
+            <a:r>
+              <a:rPr lang="it-IT" sz="1600" b="1" dirty="0">
+                <a:latin typeface="Courier New" panose="02070309020205020404" pitchFamily="49" charset="0"/>
+                <a:cs typeface="Courier New" panose="02070309020205020404" pitchFamily="49" charset="0"/>
+              </a:rPr>
+              <a:t> </a:t>
+            </a:r>
+            <a:r>
+              <a:rPr lang="it-IT" sz="1600" b="1" dirty="0" err="1">
+                <a:solidFill>
+                  <a:srgbClr val="FF0000"/>
+                </a:solidFill>
+                <a:latin typeface="Courier New" panose="02070309020205020404" pitchFamily="49" charset="0"/>
+                <a:cs typeface="Courier New" panose="02070309020205020404" pitchFamily="49" charset="0"/>
+              </a:rPr>
+              <a:t>num_th</a:t>
+            </a:r>
+            <a:r>
+              <a:rPr lang="it-IT" sz="1600" b="1" dirty="0">
+                <a:latin typeface="Courier New" panose="02070309020205020404" pitchFamily="49" charset="0"/>
+                <a:cs typeface="Courier New" panose="02070309020205020404" pitchFamily="49" charset="0"/>
+              </a:rPr>
+              <a:t>; // numero del </a:t>
+            </a:r>
+            <a:r>
+              <a:rPr lang="it-IT" sz="1600" b="1" dirty="0" err="1">
+                <a:latin typeface="Courier New" panose="02070309020205020404" pitchFamily="49" charset="0"/>
+                <a:cs typeface="Courier New" panose="02070309020205020404" pitchFamily="49" charset="0"/>
+              </a:rPr>
+              <a:t>thread</a:t>
+            </a:r>
+            <a:endParaRPr lang="it-IT" sz="1600" b="1" dirty="0">
+              <a:latin typeface="Courier New" panose="02070309020205020404" pitchFamily="49" charset="0"/>
+              <a:cs typeface="Courier New" panose="02070309020205020404" pitchFamily="49" charset="0"/>
+            </a:endParaRPr>
+          </a:p>
+          <a:p>
+            <a:pPr marL="0" indent="0">
+              <a:buNone/>
+            </a:pPr>
+            <a:r>
+              <a:rPr lang="it-IT" sz="1600" b="1" dirty="0">
+                <a:latin typeface="Courier New" panose="02070309020205020404" pitchFamily="49" charset="0"/>
+                <a:cs typeface="Courier New" panose="02070309020205020404" pitchFamily="49" charset="0"/>
+              </a:rPr>
+              <a:t> </a:t>
+            </a:r>
+            <a:r>
+              <a:rPr lang="it-IT" sz="1600" b="1" dirty="0" err="1">
+                <a:latin typeface="Courier New" panose="02070309020205020404" pitchFamily="49" charset="0"/>
+                <a:cs typeface="Courier New" panose="02070309020205020404" pitchFamily="49" charset="0"/>
+              </a:rPr>
+              <a:t>condition_variable</a:t>
+            </a:r>
+            <a:r>
+              <a:rPr lang="it-IT" sz="1600" b="1" dirty="0">
+                <a:latin typeface="Courier New" panose="02070309020205020404" pitchFamily="49" charset="0"/>
+                <a:cs typeface="Courier New" panose="02070309020205020404" pitchFamily="49" charset="0"/>
+              </a:rPr>
+              <a:t> </a:t>
+            </a:r>
+            <a:r>
+              <a:rPr lang="it-IT" sz="1600" b="1" dirty="0">
+                <a:solidFill>
+                  <a:srgbClr val="FF0000"/>
+                </a:solidFill>
+                <a:latin typeface="Courier New" panose="02070309020205020404" pitchFamily="49" charset="0"/>
+                <a:cs typeface="Courier New" panose="02070309020205020404" pitchFamily="49" charset="0"/>
+              </a:rPr>
+              <a:t>*coda</a:t>
+            </a:r>
+            <a:r>
+              <a:rPr lang="it-IT" sz="1600" b="1" dirty="0">
+                <a:latin typeface="Courier New" panose="02070309020205020404" pitchFamily="49" charset="0"/>
+                <a:cs typeface="Courier New" panose="02070309020205020404" pitchFamily="49" charset="0"/>
+              </a:rPr>
+              <a:t>; //coda attesa</a:t>
+            </a:r>
+          </a:p>
+          <a:p>
+            <a:pPr marL="0" indent="0">
+              <a:buNone/>
+            </a:pPr>
+            <a:r>
+              <a:rPr lang="it-IT" sz="1600" b="1" dirty="0">
+                <a:latin typeface="Courier New" panose="02070309020205020404" pitchFamily="49" charset="0"/>
+                <a:cs typeface="Courier New" panose="02070309020205020404" pitchFamily="49" charset="0"/>
+              </a:rPr>
+              <a:t> </a:t>
+            </a:r>
+            <a:r>
+              <a:rPr lang="it-IT" sz="1600" b="1" dirty="0" err="1">
+                <a:latin typeface="Courier New" panose="02070309020205020404" pitchFamily="49" charset="0"/>
+                <a:cs typeface="Courier New" panose="02070309020205020404" pitchFamily="49" charset="0"/>
+              </a:rPr>
+              <a:t>mutex</a:t>
+            </a:r>
+            <a:r>
+              <a:rPr lang="it-IT" sz="1600" b="1" dirty="0">
+                <a:latin typeface="Courier New" panose="02070309020205020404" pitchFamily="49" charset="0"/>
+                <a:cs typeface="Courier New" panose="02070309020205020404" pitchFamily="49" charset="0"/>
+              </a:rPr>
+              <a:t> </a:t>
+            </a:r>
+            <a:r>
+              <a:rPr lang="it-IT" sz="1600" b="1" dirty="0">
+                <a:solidFill>
+                  <a:srgbClr val="FF0000"/>
+                </a:solidFill>
+                <a:latin typeface="Courier New" panose="02070309020205020404" pitchFamily="49" charset="0"/>
+                <a:cs typeface="Courier New" panose="02070309020205020404" pitchFamily="49" charset="0"/>
+              </a:rPr>
+              <a:t>*m</a:t>
+            </a:r>
+            <a:r>
+              <a:rPr lang="it-IT" sz="1600" b="1" dirty="0">
+                <a:latin typeface="Courier New" panose="02070309020205020404" pitchFamily="49" charset="0"/>
+                <a:cs typeface="Courier New" panose="02070309020205020404" pitchFamily="49" charset="0"/>
+              </a:rPr>
+              <a:t>;  // </a:t>
+            </a:r>
+            <a:r>
+              <a:rPr lang="it-IT" sz="1600" b="1" dirty="0" err="1">
+                <a:latin typeface="Courier New" panose="02070309020205020404" pitchFamily="49" charset="0"/>
+                <a:cs typeface="Courier New" panose="02070309020205020404" pitchFamily="49" charset="0"/>
+              </a:rPr>
+              <a:t>mutex</a:t>
+            </a:r>
+            <a:r>
+              <a:rPr lang="it-IT" sz="1600" b="1" dirty="0">
+                <a:latin typeface="Courier New" panose="02070309020205020404" pitchFamily="49" charset="0"/>
+                <a:cs typeface="Courier New" panose="02070309020205020404" pitchFamily="49" charset="0"/>
+              </a:rPr>
+              <a:t> per la coda</a:t>
+            </a:r>
+          </a:p>
+          <a:p>
+            <a:pPr marL="0" indent="0">
+              <a:buNone/>
+            </a:pPr>
+            <a:r>
+              <a:rPr lang="it-IT" sz="1600" b="1" dirty="0">
+                <a:latin typeface="Courier New" panose="02070309020205020404" pitchFamily="49" charset="0"/>
+                <a:cs typeface="Courier New" panose="02070309020205020404" pitchFamily="49" charset="0"/>
+              </a:rPr>
+              <a:t> Esecutore(</a:t>
+            </a:r>
+            <a:r>
+              <a:rPr lang="it-IT" sz="1600" b="1" dirty="0" err="1">
+                <a:latin typeface="Courier New" panose="02070309020205020404" pitchFamily="49" charset="0"/>
+                <a:cs typeface="Courier New" panose="02070309020205020404" pitchFamily="49" charset="0"/>
+              </a:rPr>
+              <a:t>int</a:t>
+            </a:r>
+            <a:r>
+              <a:rPr lang="it-IT" sz="1600" b="1" dirty="0">
+                <a:latin typeface="Courier New" panose="02070309020205020404" pitchFamily="49" charset="0"/>
+                <a:cs typeface="Courier New" panose="02070309020205020404" pitchFamily="49" charset="0"/>
+              </a:rPr>
+              <a:t> n, </a:t>
+            </a:r>
+          </a:p>
+          <a:p>
+            <a:pPr marL="0" indent="0">
+              <a:buNone/>
+            </a:pPr>
+            <a:r>
+              <a:rPr lang="it-IT" sz="1600" b="1" dirty="0">
+                <a:latin typeface="Courier New" panose="02070309020205020404" pitchFamily="49" charset="0"/>
+                <a:cs typeface="Courier New" panose="02070309020205020404" pitchFamily="49" charset="0"/>
+              </a:rPr>
+              <a:t>    </a:t>
+            </a:r>
+            <a:r>
+              <a:rPr lang="it-IT" sz="1600" b="1" dirty="0" err="1">
+                <a:latin typeface="Courier New" panose="02070309020205020404" pitchFamily="49" charset="0"/>
+                <a:cs typeface="Courier New" panose="02070309020205020404" pitchFamily="49" charset="0"/>
+              </a:rPr>
+              <a:t>condition_variable</a:t>
+            </a:r>
+            <a:r>
+              <a:rPr lang="it-IT" sz="1600" b="1" dirty="0">
+                <a:latin typeface="Courier New" panose="02070309020205020404" pitchFamily="49" charset="0"/>
+                <a:cs typeface="Courier New" panose="02070309020205020404" pitchFamily="49" charset="0"/>
+              </a:rPr>
+              <a:t> *</a:t>
+            </a:r>
+            <a:r>
+              <a:rPr lang="it-IT" sz="1600" b="1" dirty="0" err="1">
+                <a:latin typeface="Courier New" panose="02070309020205020404" pitchFamily="49" charset="0"/>
+                <a:cs typeface="Courier New" panose="02070309020205020404" pitchFamily="49" charset="0"/>
+              </a:rPr>
+              <a:t>cond</a:t>
+            </a:r>
+            <a:r>
+              <a:rPr lang="it-IT" sz="1600" b="1" dirty="0">
+                <a:latin typeface="Courier New" panose="02070309020205020404" pitchFamily="49" charset="0"/>
+                <a:cs typeface="Courier New" panose="02070309020205020404" pitchFamily="49" charset="0"/>
+              </a:rPr>
+              <a:t>, </a:t>
+            </a:r>
+            <a:r>
+              <a:rPr lang="it-IT" sz="1600" b="1" dirty="0" err="1">
+                <a:latin typeface="Courier New" panose="02070309020205020404" pitchFamily="49" charset="0"/>
+                <a:cs typeface="Courier New" panose="02070309020205020404" pitchFamily="49" charset="0"/>
+              </a:rPr>
+              <a:t>mutex</a:t>
+            </a:r>
+            <a:r>
+              <a:rPr lang="it-IT" sz="1600" b="1" dirty="0">
+                <a:latin typeface="Courier New" panose="02070309020205020404" pitchFamily="49" charset="0"/>
+                <a:cs typeface="Courier New" panose="02070309020205020404" pitchFamily="49" charset="0"/>
+              </a:rPr>
+              <a:t> *</a:t>
+            </a:r>
+            <a:r>
+              <a:rPr lang="it-IT" sz="1600" b="1" dirty="0" err="1">
+                <a:latin typeface="Courier New" panose="02070309020205020404" pitchFamily="49" charset="0"/>
+                <a:cs typeface="Courier New" panose="02070309020205020404" pitchFamily="49" charset="0"/>
+              </a:rPr>
+              <a:t>mtx</a:t>
+            </a:r>
+            <a:r>
+              <a:rPr lang="it-IT" sz="1600" b="1" dirty="0">
+                <a:latin typeface="Courier New" panose="02070309020205020404" pitchFamily="49" charset="0"/>
+                <a:cs typeface="Courier New" panose="02070309020205020404" pitchFamily="49" charset="0"/>
+              </a:rPr>
+              <a:t>) </a:t>
+            </a:r>
+          </a:p>
+          <a:p>
+            <a:pPr marL="0" indent="0">
+              <a:buNone/>
+            </a:pPr>
+            <a:r>
+              <a:rPr lang="it-IT" sz="1600" b="1" dirty="0">
+                <a:latin typeface="Courier New" panose="02070309020205020404" pitchFamily="49" charset="0"/>
+                <a:cs typeface="Courier New" panose="02070309020205020404" pitchFamily="49" charset="0"/>
+              </a:rPr>
+              <a:t> { coda=</a:t>
+            </a:r>
+            <a:r>
+              <a:rPr lang="it-IT" sz="1600" b="1" dirty="0" err="1">
+                <a:latin typeface="Courier New" panose="02070309020205020404" pitchFamily="49" charset="0"/>
+                <a:cs typeface="Courier New" panose="02070309020205020404" pitchFamily="49" charset="0"/>
+              </a:rPr>
+              <a:t>cond</a:t>
+            </a:r>
+            <a:r>
+              <a:rPr lang="it-IT" sz="1600" b="1" dirty="0">
+                <a:latin typeface="Courier New" panose="02070309020205020404" pitchFamily="49" charset="0"/>
+                <a:cs typeface="Courier New" panose="02070309020205020404" pitchFamily="49" charset="0"/>
+              </a:rPr>
+              <a:t>; </a:t>
+            </a:r>
+            <a:r>
+              <a:rPr lang="it-IT" sz="1600" b="1" dirty="0" err="1">
+                <a:latin typeface="Courier New" panose="02070309020205020404" pitchFamily="49" charset="0"/>
+                <a:cs typeface="Courier New" panose="02070309020205020404" pitchFamily="49" charset="0"/>
+              </a:rPr>
+              <a:t>num_th</a:t>
+            </a:r>
+            <a:r>
+              <a:rPr lang="it-IT" sz="1600" b="1" dirty="0">
+                <a:latin typeface="Courier New" panose="02070309020205020404" pitchFamily="49" charset="0"/>
+                <a:cs typeface="Courier New" panose="02070309020205020404" pitchFamily="49" charset="0"/>
+              </a:rPr>
+              <a:t>=n; m=</a:t>
+            </a:r>
+            <a:r>
+              <a:rPr lang="it-IT" sz="1600" b="1" dirty="0" err="1">
+                <a:latin typeface="Courier New" panose="02070309020205020404" pitchFamily="49" charset="0"/>
+                <a:cs typeface="Courier New" panose="02070309020205020404" pitchFamily="49" charset="0"/>
+              </a:rPr>
+              <a:t>mtx</a:t>
+            </a:r>
+            <a:r>
+              <a:rPr lang="it-IT" sz="1600" b="1" dirty="0">
+                <a:latin typeface="Courier New" panose="02070309020205020404" pitchFamily="49" charset="0"/>
+                <a:cs typeface="Courier New" panose="02070309020205020404" pitchFamily="49" charset="0"/>
+              </a:rPr>
+              <a:t>; }</a:t>
+            </a:r>
+          </a:p>
+          <a:p>
+            <a:pPr marL="0" indent="0">
+              <a:buNone/>
+            </a:pPr>
+            <a:r>
+              <a:rPr lang="it-IT" sz="1600" b="1" dirty="0">
+                <a:latin typeface="Courier New" panose="02070309020205020404" pitchFamily="49" charset="0"/>
+                <a:cs typeface="Courier New" panose="02070309020205020404" pitchFamily="49" charset="0"/>
+              </a:rPr>
+              <a:t> </a:t>
+            </a:r>
+            <a:r>
+              <a:rPr lang="it-IT" sz="1600" b="1" dirty="0" err="1">
+                <a:latin typeface="Courier New" panose="02070309020205020404" pitchFamily="49" charset="0"/>
+                <a:cs typeface="Courier New" panose="02070309020205020404" pitchFamily="49" charset="0"/>
+              </a:rPr>
+              <a:t>void</a:t>
+            </a:r>
+            <a:r>
+              <a:rPr lang="it-IT" sz="1600" b="1" dirty="0">
+                <a:latin typeface="Courier New" panose="02070309020205020404" pitchFamily="49" charset="0"/>
+                <a:cs typeface="Courier New" panose="02070309020205020404" pitchFamily="49" charset="0"/>
+              </a:rPr>
+              <a:t> </a:t>
+            </a:r>
+            <a:r>
+              <a:rPr lang="it-IT" sz="1600" b="1" dirty="0">
+                <a:solidFill>
+                  <a:srgbClr val="FF0000"/>
+                </a:solidFill>
+                <a:latin typeface="Courier New" panose="02070309020205020404" pitchFamily="49" charset="0"/>
+                <a:cs typeface="Courier New" panose="02070309020205020404" pitchFamily="49" charset="0"/>
+              </a:rPr>
+              <a:t>operator()</a:t>
+            </a:r>
+            <a:r>
+              <a:rPr lang="it-IT" sz="1600" b="1" dirty="0">
+                <a:latin typeface="Courier New" panose="02070309020205020404" pitchFamily="49" charset="0"/>
+                <a:cs typeface="Courier New" panose="02070309020205020404" pitchFamily="49" charset="0"/>
+              </a:rPr>
+              <a:t>(){</a:t>
+            </a:r>
+          </a:p>
+          <a:p>
+            <a:pPr marL="0" indent="0">
+              <a:buNone/>
+            </a:pPr>
+            <a:r>
+              <a:rPr lang="it-IT" sz="1600" b="1" dirty="0">
+                <a:latin typeface="Courier New" panose="02070309020205020404" pitchFamily="49" charset="0"/>
+                <a:cs typeface="Courier New" panose="02070309020205020404" pitchFamily="49" charset="0"/>
+              </a:rPr>
+              <a:t>   &lt;in attesa&gt;</a:t>
+            </a:r>
+          </a:p>
+          <a:p>
+            <a:pPr marL="0" indent="0">
+              <a:buNone/>
+            </a:pPr>
+            <a:r>
+              <a:rPr lang="it-IT" sz="1600" b="1" dirty="0">
+                <a:latin typeface="Courier New" panose="02070309020205020404" pitchFamily="49" charset="0"/>
+                <a:cs typeface="Courier New" panose="02070309020205020404" pitchFamily="49" charset="0"/>
+              </a:rPr>
+              <a:t>   </a:t>
+            </a:r>
+            <a:r>
+              <a:rPr lang="it-IT" sz="1600" b="1" dirty="0" err="1">
+                <a:latin typeface="Courier New" panose="02070309020205020404" pitchFamily="49" charset="0"/>
+                <a:cs typeface="Courier New" panose="02070309020205020404" pitchFamily="49" charset="0"/>
+              </a:rPr>
+              <a:t>unique_lock</a:t>
+            </a:r>
+            <a:r>
+              <a:rPr lang="it-IT" sz="1600" b="1" dirty="0">
+                <a:latin typeface="Courier New" panose="02070309020205020404" pitchFamily="49" charset="0"/>
+                <a:cs typeface="Courier New" panose="02070309020205020404" pitchFamily="49" charset="0"/>
+              </a:rPr>
+              <a:t>&lt;</a:t>
+            </a:r>
+            <a:r>
+              <a:rPr lang="it-IT" sz="1600" b="1" dirty="0" err="1">
+                <a:latin typeface="Courier New" panose="02070309020205020404" pitchFamily="49" charset="0"/>
+                <a:cs typeface="Courier New" panose="02070309020205020404" pitchFamily="49" charset="0"/>
+              </a:rPr>
+              <a:t>std</a:t>
+            </a:r>
+            <a:r>
+              <a:rPr lang="it-IT" sz="1600" b="1" dirty="0">
+                <a:latin typeface="Courier New" panose="02070309020205020404" pitchFamily="49" charset="0"/>
+                <a:cs typeface="Courier New" panose="02070309020205020404" pitchFamily="49" charset="0"/>
+              </a:rPr>
+              <a:t>::</a:t>
+            </a:r>
+            <a:r>
+              <a:rPr lang="it-IT" sz="1600" b="1" dirty="0" err="1">
+                <a:latin typeface="Courier New" panose="02070309020205020404" pitchFamily="49" charset="0"/>
+                <a:cs typeface="Courier New" panose="02070309020205020404" pitchFamily="49" charset="0"/>
+              </a:rPr>
+              <a:t>mutex</a:t>
+            </a:r>
+            <a:r>
+              <a:rPr lang="it-IT" sz="1600" b="1" dirty="0">
+                <a:latin typeface="Courier New" panose="02070309020205020404" pitchFamily="49" charset="0"/>
+                <a:cs typeface="Courier New" panose="02070309020205020404" pitchFamily="49" charset="0"/>
+              </a:rPr>
+              <a:t>&gt; </a:t>
+            </a:r>
+            <a:r>
+              <a:rPr lang="it-IT" sz="1600" b="1" dirty="0" err="1">
+                <a:latin typeface="Courier New" panose="02070309020205020404" pitchFamily="49" charset="0"/>
+                <a:cs typeface="Courier New" panose="02070309020205020404" pitchFamily="49" charset="0"/>
+              </a:rPr>
+              <a:t>lk</a:t>
+            </a:r>
+            <a:r>
+              <a:rPr lang="it-IT" sz="1600" b="1" dirty="0">
+                <a:latin typeface="Courier New" panose="02070309020205020404" pitchFamily="49" charset="0"/>
+                <a:cs typeface="Courier New" panose="02070309020205020404" pitchFamily="49" charset="0"/>
+              </a:rPr>
+              <a:t>(*m);</a:t>
+            </a:r>
+          </a:p>
+          <a:p>
+            <a:pPr marL="0" indent="0">
+              <a:buNone/>
+            </a:pPr>
+            <a:r>
+              <a:rPr lang="it-IT" sz="1600" b="1" dirty="0">
+                <a:latin typeface="Courier New" panose="02070309020205020404" pitchFamily="49" charset="0"/>
+                <a:cs typeface="Courier New" panose="02070309020205020404" pitchFamily="49" charset="0"/>
+              </a:rPr>
+              <a:t>   </a:t>
+            </a:r>
+            <a:r>
+              <a:rPr lang="it-IT" sz="1600" b="1" dirty="0">
+                <a:solidFill>
+                  <a:srgbClr val="FF0000"/>
+                </a:solidFill>
+                <a:latin typeface="Courier New" panose="02070309020205020404" pitchFamily="49" charset="0"/>
+                <a:cs typeface="Courier New" panose="02070309020205020404" pitchFamily="49" charset="0"/>
+              </a:rPr>
+              <a:t>coda-&gt;</a:t>
+            </a:r>
+            <a:r>
+              <a:rPr lang="it-IT" sz="1600" b="1" dirty="0" err="1">
+                <a:solidFill>
+                  <a:srgbClr val="FF0000"/>
+                </a:solidFill>
+                <a:latin typeface="Courier New" panose="02070309020205020404" pitchFamily="49" charset="0"/>
+                <a:cs typeface="Courier New" panose="02070309020205020404" pitchFamily="49" charset="0"/>
+              </a:rPr>
+              <a:t>wait</a:t>
+            </a:r>
+            <a:r>
+              <a:rPr lang="it-IT" sz="1600" b="1" dirty="0">
+                <a:solidFill>
+                  <a:srgbClr val="FF0000"/>
+                </a:solidFill>
+                <a:latin typeface="Courier New" panose="02070309020205020404" pitchFamily="49" charset="0"/>
+                <a:cs typeface="Courier New" panose="02070309020205020404" pitchFamily="49" charset="0"/>
+              </a:rPr>
+              <a:t>(</a:t>
+            </a:r>
+            <a:r>
+              <a:rPr lang="it-IT" sz="1600" b="1" dirty="0" err="1">
+                <a:solidFill>
+                  <a:srgbClr val="FF0000"/>
+                </a:solidFill>
+                <a:latin typeface="Courier New" panose="02070309020205020404" pitchFamily="49" charset="0"/>
+                <a:cs typeface="Courier New" panose="02070309020205020404" pitchFamily="49" charset="0"/>
+              </a:rPr>
+              <a:t>lk</a:t>
+            </a:r>
+            <a:r>
+              <a:rPr lang="it-IT" sz="1600" b="1" dirty="0">
+                <a:solidFill>
+                  <a:srgbClr val="FF0000"/>
+                </a:solidFill>
+                <a:latin typeface="Courier New" panose="02070309020205020404" pitchFamily="49" charset="0"/>
+                <a:cs typeface="Courier New" panose="02070309020205020404" pitchFamily="49" charset="0"/>
+              </a:rPr>
+              <a:t>);</a:t>
+            </a:r>
+          </a:p>
+          <a:p>
+            <a:pPr marL="0" indent="0">
+              <a:buNone/>
+            </a:pPr>
+            <a:r>
+              <a:rPr lang="it-IT" sz="1600" b="1" dirty="0">
+                <a:latin typeface="Courier New" panose="02070309020205020404" pitchFamily="49" charset="0"/>
+                <a:cs typeface="Courier New" panose="02070309020205020404" pitchFamily="49" charset="0"/>
+              </a:rPr>
+              <a:t>   &lt;risvegliato&gt;</a:t>
+            </a:r>
+          </a:p>
+          <a:p>
+            <a:pPr marL="0" indent="0">
+              <a:buNone/>
+            </a:pPr>
+            <a:r>
+              <a:rPr lang="it-IT" sz="1600" b="1" dirty="0">
+                <a:latin typeface="Courier New" panose="02070309020205020404" pitchFamily="49" charset="0"/>
+                <a:cs typeface="Courier New" panose="02070309020205020404" pitchFamily="49" charset="0"/>
+              </a:rPr>
+              <a:t> }</a:t>
+            </a:r>
+          </a:p>
+          <a:p>
+            <a:pPr marL="0" indent="0">
+              <a:buNone/>
+            </a:pPr>
+            <a:r>
+              <a:rPr lang="it-IT" sz="1600" b="1" dirty="0">
+                <a:latin typeface="Courier New" panose="02070309020205020404" pitchFamily="49" charset="0"/>
+                <a:cs typeface="Courier New" panose="02070309020205020404" pitchFamily="49" charset="0"/>
+              </a:rPr>
+              <a:t>};</a:t>
+            </a:r>
+          </a:p>
+        </p:txBody>
+      </p:sp>
+      <p:sp>
+        <p:nvSpPr>
+          <p:cNvPr id="6" name="Segnaposto contenuto 5">
+            <a:extLst>
+              <a:ext uri="{FF2B5EF4-FFF2-40B4-BE49-F238E27FC236}">
+                <a16:creationId xmlns:a16="http://schemas.microsoft.com/office/drawing/2014/main" id="{284679C8-8D2F-421F-B164-98BA0D4AADE7}"/>
+              </a:ext>
+            </a:extLst>
+          </p:cNvPr>
+          <p:cNvSpPr>
+            <a:spLocks noGrp="1"/>
+          </p:cNvSpPr>
+          <p:nvPr>
+            <p:ph sz="half" idx="2"/>
+          </p:nvPr>
+        </p:nvSpPr>
+        <p:spPr/>
+        <p:txBody>
+          <a:bodyPr/>
+          <a:lstStyle/>
+          <a:p>
+            <a:pPr marL="0" indent="0">
+              <a:buNone/>
+            </a:pPr>
+            <a:r>
+              <a:rPr lang="it-IT" sz="1600" b="1" dirty="0" err="1">
+                <a:latin typeface="Courier New" panose="02070309020205020404" pitchFamily="49" charset="0"/>
+                <a:cs typeface="Courier New" panose="02070309020205020404" pitchFamily="49" charset="0"/>
+              </a:rPr>
+              <a:t>int</a:t>
+            </a:r>
+            <a:r>
+              <a:rPr lang="it-IT" sz="1600" b="1" dirty="0">
+                <a:latin typeface="Courier New" panose="02070309020205020404" pitchFamily="49" charset="0"/>
+                <a:cs typeface="Courier New" panose="02070309020205020404" pitchFamily="49" charset="0"/>
+              </a:rPr>
+              <a:t> </a:t>
+            </a:r>
+            <a:r>
+              <a:rPr lang="it-IT" sz="1600" b="1" dirty="0" err="1">
+                <a:latin typeface="Courier New" panose="02070309020205020404" pitchFamily="49" charset="0"/>
+                <a:cs typeface="Courier New" panose="02070309020205020404" pitchFamily="49" charset="0"/>
+              </a:rPr>
+              <a:t>main</a:t>
+            </a:r>
+            <a:r>
+              <a:rPr lang="it-IT" sz="1600" b="1" dirty="0">
+                <a:latin typeface="Courier New" panose="02070309020205020404" pitchFamily="49" charset="0"/>
+                <a:cs typeface="Courier New" panose="02070309020205020404" pitchFamily="49" charset="0"/>
+              </a:rPr>
+              <a:t>() {</a:t>
+            </a:r>
+          </a:p>
+          <a:p>
+            <a:pPr marL="0" indent="0">
+              <a:buNone/>
+            </a:pPr>
+            <a:r>
+              <a:rPr lang="it-IT" sz="1600" b="1" dirty="0">
+                <a:latin typeface="Courier New" panose="02070309020205020404" pitchFamily="49" charset="0"/>
+                <a:cs typeface="Courier New" panose="02070309020205020404" pitchFamily="49" charset="0"/>
+              </a:rPr>
+              <a:t> </a:t>
+            </a:r>
+            <a:r>
+              <a:rPr lang="it-IT" sz="1600" b="1" dirty="0" err="1">
+                <a:latin typeface="Courier New" panose="02070309020205020404" pitchFamily="49" charset="0"/>
+                <a:cs typeface="Courier New" panose="02070309020205020404" pitchFamily="49" charset="0"/>
+              </a:rPr>
+              <a:t>condition_variable</a:t>
+            </a:r>
+            <a:r>
+              <a:rPr lang="it-IT" sz="1600" b="1" dirty="0">
+                <a:latin typeface="Courier New" panose="02070309020205020404" pitchFamily="49" charset="0"/>
+                <a:cs typeface="Courier New" panose="02070309020205020404" pitchFamily="49" charset="0"/>
+              </a:rPr>
+              <a:t> *coda;</a:t>
+            </a:r>
+          </a:p>
+          <a:p>
+            <a:pPr marL="0" indent="0">
+              <a:buNone/>
+            </a:pPr>
+            <a:r>
+              <a:rPr lang="it-IT" sz="1600" b="1" dirty="0">
+                <a:latin typeface="Courier New" panose="02070309020205020404" pitchFamily="49" charset="0"/>
+                <a:cs typeface="Courier New" panose="02070309020205020404" pitchFamily="49" charset="0"/>
+              </a:rPr>
+              <a:t> coda = new </a:t>
+            </a:r>
+            <a:r>
+              <a:rPr lang="it-IT" sz="1600" b="1" dirty="0" err="1">
+                <a:latin typeface="Courier New" panose="02070309020205020404" pitchFamily="49" charset="0"/>
+                <a:cs typeface="Courier New" panose="02070309020205020404" pitchFamily="49" charset="0"/>
+              </a:rPr>
+              <a:t>condition_variable</a:t>
+            </a:r>
+            <a:r>
+              <a:rPr lang="it-IT" sz="1600" b="1" dirty="0">
+                <a:latin typeface="Courier New" panose="02070309020205020404" pitchFamily="49" charset="0"/>
+                <a:cs typeface="Courier New" panose="02070309020205020404" pitchFamily="49" charset="0"/>
+              </a:rPr>
+              <a:t>();</a:t>
+            </a:r>
+          </a:p>
+          <a:p>
+            <a:pPr marL="0" indent="0">
+              <a:buNone/>
+            </a:pPr>
+            <a:r>
+              <a:rPr lang="it-IT" sz="1600" b="1" dirty="0">
+                <a:latin typeface="Courier New" panose="02070309020205020404" pitchFamily="49" charset="0"/>
+                <a:cs typeface="Courier New" panose="02070309020205020404" pitchFamily="49" charset="0"/>
+              </a:rPr>
+              <a:t> </a:t>
+            </a:r>
+            <a:r>
+              <a:rPr lang="it-IT" sz="1600" b="1" dirty="0" err="1">
+                <a:latin typeface="Courier New" panose="02070309020205020404" pitchFamily="49" charset="0"/>
+                <a:cs typeface="Courier New" panose="02070309020205020404" pitchFamily="49" charset="0"/>
+              </a:rPr>
+              <a:t>mutex</a:t>
+            </a:r>
+            <a:r>
+              <a:rPr lang="it-IT" sz="1600" b="1" dirty="0">
+                <a:latin typeface="Courier New" panose="02070309020205020404" pitchFamily="49" charset="0"/>
+                <a:cs typeface="Courier New" panose="02070309020205020404" pitchFamily="49" charset="0"/>
+              </a:rPr>
+              <a:t> *m= new </a:t>
+            </a:r>
+            <a:r>
+              <a:rPr lang="it-IT" sz="1600" b="1" dirty="0" err="1">
+                <a:latin typeface="Courier New" panose="02070309020205020404" pitchFamily="49" charset="0"/>
+                <a:cs typeface="Courier New" panose="02070309020205020404" pitchFamily="49" charset="0"/>
+              </a:rPr>
+              <a:t>mutex</a:t>
+            </a:r>
+            <a:r>
+              <a:rPr lang="it-IT" sz="1600" b="1" dirty="0">
+                <a:latin typeface="Courier New" panose="02070309020205020404" pitchFamily="49" charset="0"/>
+                <a:cs typeface="Courier New" panose="02070309020205020404" pitchFamily="49" charset="0"/>
+              </a:rPr>
+              <a:t>();</a:t>
+            </a:r>
+          </a:p>
+          <a:p>
+            <a:pPr marL="0" indent="0">
+              <a:buNone/>
+            </a:pPr>
+            <a:r>
+              <a:rPr lang="it-IT" sz="1600" b="1" dirty="0">
+                <a:latin typeface="Courier New" panose="02070309020205020404" pitchFamily="49" charset="0"/>
+                <a:cs typeface="Courier New" panose="02070309020205020404" pitchFamily="49" charset="0"/>
+              </a:rPr>
+              <a:t> …</a:t>
+            </a:r>
+          </a:p>
+          <a:p>
+            <a:pPr marL="0" indent="0">
+              <a:buNone/>
+            </a:pPr>
+            <a:r>
+              <a:rPr lang="it-IT" sz="1600" b="1" dirty="0">
+                <a:latin typeface="Courier New" panose="02070309020205020404" pitchFamily="49" charset="0"/>
+                <a:cs typeface="Courier New" panose="02070309020205020404" pitchFamily="49" charset="0"/>
+              </a:rPr>
+              <a:t> </a:t>
+            </a:r>
+            <a:r>
+              <a:rPr lang="it-IT" sz="1600" b="1" dirty="0" err="1">
+                <a:latin typeface="Courier New" panose="02070309020205020404" pitchFamily="49" charset="0"/>
+                <a:cs typeface="Courier New" panose="02070309020205020404" pitchFamily="49" charset="0"/>
+              </a:rPr>
+              <a:t>thread</a:t>
+            </a:r>
+            <a:r>
+              <a:rPr lang="it-IT" sz="1600" b="1" dirty="0">
+                <a:latin typeface="Courier New" panose="02070309020205020404" pitchFamily="49" charset="0"/>
+                <a:cs typeface="Courier New" panose="02070309020205020404" pitchFamily="49" charset="0"/>
+              </a:rPr>
+              <a:t>* </a:t>
+            </a:r>
+            <a:r>
+              <a:rPr lang="it-IT" sz="1600" b="1" dirty="0" err="1">
+                <a:latin typeface="Courier New" panose="02070309020205020404" pitchFamily="49" charset="0"/>
+                <a:cs typeface="Courier New" panose="02070309020205020404" pitchFamily="49" charset="0"/>
+              </a:rPr>
+              <a:t>threads</a:t>
+            </a:r>
+            <a:r>
+              <a:rPr lang="it-IT" sz="1600" b="1" dirty="0">
+                <a:latin typeface="Courier New" panose="02070309020205020404" pitchFamily="49" charset="0"/>
+                <a:cs typeface="Courier New" panose="02070309020205020404" pitchFamily="49" charset="0"/>
+              </a:rPr>
+              <a:t>[</a:t>
+            </a:r>
+            <a:r>
+              <a:rPr lang="it-IT" sz="1600" b="1" dirty="0" err="1">
+                <a:latin typeface="Courier New" panose="02070309020205020404" pitchFamily="49" charset="0"/>
+                <a:cs typeface="Courier New" panose="02070309020205020404" pitchFamily="49" charset="0"/>
+              </a:rPr>
+              <a:t>n_th</a:t>
+            </a:r>
+            <a:r>
+              <a:rPr lang="it-IT" sz="1600" b="1" dirty="0">
+                <a:latin typeface="Courier New" panose="02070309020205020404" pitchFamily="49" charset="0"/>
+                <a:cs typeface="Courier New" panose="02070309020205020404" pitchFamily="49" charset="0"/>
+              </a:rPr>
+              <a:t>];	</a:t>
+            </a:r>
+          </a:p>
+          <a:p>
+            <a:pPr marL="0" indent="0">
+              <a:buNone/>
+            </a:pPr>
+            <a:r>
+              <a:rPr lang="it-IT" sz="1600" b="1" dirty="0">
+                <a:latin typeface="Courier New" panose="02070309020205020404" pitchFamily="49" charset="0"/>
+                <a:cs typeface="Courier New" panose="02070309020205020404" pitchFamily="49" charset="0"/>
+              </a:rPr>
+              <a:t> for(t=0; t&lt;</a:t>
+            </a:r>
+            <a:r>
+              <a:rPr lang="it-IT" sz="1600" b="1" dirty="0" err="1">
+                <a:latin typeface="Courier New" panose="02070309020205020404" pitchFamily="49" charset="0"/>
+                <a:cs typeface="Courier New" panose="02070309020205020404" pitchFamily="49" charset="0"/>
+              </a:rPr>
+              <a:t>n_th</a:t>
+            </a:r>
+            <a:r>
+              <a:rPr lang="it-IT" sz="1600" b="1" dirty="0">
+                <a:latin typeface="Courier New" panose="02070309020205020404" pitchFamily="49" charset="0"/>
+                <a:cs typeface="Courier New" panose="02070309020205020404" pitchFamily="49" charset="0"/>
+              </a:rPr>
+              <a:t>; t++){</a:t>
+            </a:r>
+          </a:p>
+          <a:p>
+            <a:pPr marL="0" indent="0">
+              <a:buNone/>
+            </a:pPr>
+            <a:r>
+              <a:rPr lang="it-IT" sz="1600" b="1" dirty="0">
+                <a:latin typeface="Courier New" panose="02070309020205020404" pitchFamily="49" charset="0"/>
+                <a:cs typeface="Courier New" panose="02070309020205020404" pitchFamily="49" charset="0"/>
+              </a:rPr>
+              <a:t>  </a:t>
+            </a:r>
+            <a:r>
+              <a:rPr lang="it-IT" sz="1600" b="1" dirty="0" err="1">
+                <a:solidFill>
+                  <a:srgbClr val="FF0000"/>
+                </a:solidFill>
+                <a:latin typeface="Courier New" panose="02070309020205020404" pitchFamily="49" charset="0"/>
+                <a:cs typeface="Courier New" panose="02070309020205020404" pitchFamily="49" charset="0"/>
+              </a:rPr>
+              <a:t>threads</a:t>
+            </a:r>
+            <a:r>
+              <a:rPr lang="it-IT" sz="1600" b="1" dirty="0">
+                <a:solidFill>
+                  <a:srgbClr val="FF0000"/>
+                </a:solidFill>
+                <a:latin typeface="Courier New" panose="02070309020205020404" pitchFamily="49" charset="0"/>
+                <a:cs typeface="Courier New" panose="02070309020205020404" pitchFamily="49" charset="0"/>
+              </a:rPr>
+              <a:t>[t]= new </a:t>
+            </a:r>
+          </a:p>
+          <a:p>
+            <a:pPr marL="0" indent="0">
+              <a:buNone/>
+            </a:pPr>
+            <a:r>
+              <a:rPr lang="it-IT" sz="1600" b="1" dirty="0">
+                <a:solidFill>
+                  <a:srgbClr val="FF0000"/>
+                </a:solidFill>
+                <a:latin typeface="Courier New" panose="02070309020205020404" pitchFamily="49" charset="0"/>
+                <a:cs typeface="Courier New" panose="02070309020205020404" pitchFamily="49" charset="0"/>
+              </a:rPr>
+              <a:t>            </a:t>
+            </a:r>
+            <a:r>
+              <a:rPr lang="it-IT" sz="1600" b="1" dirty="0" err="1">
+                <a:solidFill>
+                  <a:srgbClr val="FF0000"/>
+                </a:solidFill>
+                <a:latin typeface="Courier New" panose="02070309020205020404" pitchFamily="49" charset="0"/>
+                <a:cs typeface="Courier New" panose="02070309020205020404" pitchFamily="49" charset="0"/>
+              </a:rPr>
+              <a:t>thread</a:t>
+            </a:r>
+            <a:r>
+              <a:rPr lang="it-IT" sz="1600" b="1" dirty="0">
+                <a:solidFill>
+                  <a:srgbClr val="FF0000"/>
+                </a:solidFill>
+                <a:latin typeface="Courier New" panose="02070309020205020404" pitchFamily="49" charset="0"/>
+                <a:cs typeface="Courier New" panose="02070309020205020404" pitchFamily="49" charset="0"/>
+              </a:rPr>
+              <a:t>(Esecutore(</a:t>
+            </a:r>
+            <a:r>
+              <a:rPr lang="it-IT" sz="1600" b="1" dirty="0" err="1">
+                <a:solidFill>
+                  <a:srgbClr val="FF0000"/>
+                </a:solidFill>
+                <a:latin typeface="Courier New" panose="02070309020205020404" pitchFamily="49" charset="0"/>
+                <a:cs typeface="Courier New" panose="02070309020205020404" pitchFamily="49" charset="0"/>
+              </a:rPr>
+              <a:t>t,coda,m</a:t>
+            </a:r>
+            <a:r>
+              <a:rPr lang="it-IT" sz="1600" b="1" dirty="0">
+                <a:solidFill>
+                  <a:srgbClr val="FF0000"/>
+                </a:solidFill>
+                <a:latin typeface="Courier New" panose="02070309020205020404" pitchFamily="49" charset="0"/>
+                <a:cs typeface="Courier New" panose="02070309020205020404" pitchFamily="49" charset="0"/>
+              </a:rPr>
+              <a:t>));</a:t>
+            </a:r>
+          </a:p>
+          <a:p>
+            <a:pPr marL="0" indent="0">
+              <a:buNone/>
+            </a:pPr>
+            <a:r>
+              <a:rPr lang="it-IT" sz="1600" b="1" dirty="0">
+                <a:latin typeface="Courier New" panose="02070309020205020404" pitchFamily="49" charset="0"/>
+                <a:cs typeface="Courier New" panose="02070309020205020404" pitchFamily="49" charset="0"/>
+              </a:rPr>
+              <a:t> }</a:t>
+            </a:r>
+          </a:p>
+          <a:p>
+            <a:pPr marL="0" indent="0">
+              <a:buNone/>
+            </a:pPr>
+            <a:r>
+              <a:rPr lang="it-IT" sz="1600" b="1" dirty="0">
+                <a:latin typeface="Courier New" panose="02070309020205020404" pitchFamily="49" charset="0"/>
+                <a:cs typeface="Courier New" panose="02070309020205020404" pitchFamily="49" charset="0"/>
+              </a:rPr>
+              <a:t> for(t=0; t&lt;n_th-3; t++){</a:t>
+            </a:r>
+          </a:p>
+          <a:p>
+            <a:pPr marL="0" indent="0">
+              <a:buNone/>
+            </a:pPr>
+            <a:r>
+              <a:rPr lang="it-IT" sz="1600" b="1" dirty="0">
+                <a:latin typeface="Courier New" panose="02070309020205020404" pitchFamily="49" charset="0"/>
+                <a:cs typeface="Courier New" panose="02070309020205020404" pitchFamily="49" charset="0"/>
+              </a:rPr>
+              <a:t>   </a:t>
+            </a:r>
+            <a:r>
+              <a:rPr lang="it-IT" sz="1600" b="1" dirty="0">
+                <a:solidFill>
+                  <a:srgbClr val="FF0000"/>
+                </a:solidFill>
+                <a:latin typeface="Courier New" panose="02070309020205020404" pitchFamily="49" charset="0"/>
+                <a:cs typeface="Courier New" panose="02070309020205020404" pitchFamily="49" charset="0"/>
+              </a:rPr>
+              <a:t>coda-&gt;</a:t>
+            </a:r>
+            <a:r>
+              <a:rPr lang="it-IT" sz="1600" b="1" dirty="0" err="1">
+                <a:solidFill>
+                  <a:srgbClr val="FF0000"/>
+                </a:solidFill>
+                <a:latin typeface="Courier New" panose="02070309020205020404" pitchFamily="49" charset="0"/>
+                <a:cs typeface="Courier New" panose="02070309020205020404" pitchFamily="49" charset="0"/>
+              </a:rPr>
+              <a:t>notify_one</a:t>
+            </a:r>
+            <a:r>
+              <a:rPr lang="it-IT" sz="1600" b="1" dirty="0">
+                <a:solidFill>
+                  <a:srgbClr val="FF0000"/>
+                </a:solidFill>
+                <a:latin typeface="Courier New" panose="02070309020205020404" pitchFamily="49" charset="0"/>
+                <a:cs typeface="Courier New" panose="02070309020205020404" pitchFamily="49" charset="0"/>
+              </a:rPr>
+              <a:t>();</a:t>
+            </a:r>
+          </a:p>
+          <a:p>
+            <a:pPr marL="0" indent="0">
+              <a:buNone/>
+            </a:pPr>
+            <a:r>
+              <a:rPr lang="it-IT" sz="1600" b="1" dirty="0">
+                <a:latin typeface="Courier New" panose="02070309020205020404" pitchFamily="49" charset="0"/>
+                <a:cs typeface="Courier New" panose="02070309020205020404" pitchFamily="49" charset="0"/>
+              </a:rPr>
+              <a:t> }</a:t>
+            </a:r>
+          </a:p>
+          <a:p>
+            <a:pPr marL="0" indent="0">
+              <a:buNone/>
+            </a:pPr>
+            <a:r>
+              <a:rPr lang="it-IT" sz="1600" b="1" dirty="0">
+                <a:latin typeface="Courier New" panose="02070309020205020404" pitchFamily="49" charset="0"/>
+                <a:cs typeface="Courier New" panose="02070309020205020404" pitchFamily="49" charset="0"/>
+              </a:rPr>
+              <a:t> </a:t>
+            </a:r>
+            <a:r>
+              <a:rPr lang="it-IT" sz="1600" b="1" dirty="0">
+                <a:solidFill>
+                  <a:srgbClr val="FF0000"/>
+                </a:solidFill>
+                <a:latin typeface="Courier New" panose="02070309020205020404" pitchFamily="49" charset="0"/>
+                <a:cs typeface="Courier New" panose="02070309020205020404" pitchFamily="49" charset="0"/>
+              </a:rPr>
+              <a:t>coda-&gt;</a:t>
+            </a:r>
+            <a:r>
+              <a:rPr lang="it-IT" sz="1600" b="1" dirty="0" err="1">
+                <a:solidFill>
+                  <a:srgbClr val="FF0000"/>
+                </a:solidFill>
+                <a:latin typeface="Courier New" panose="02070309020205020404" pitchFamily="49" charset="0"/>
+                <a:cs typeface="Courier New" panose="02070309020205020404" pitchFamily="49" charset="0"/>
+              </a:rPr>
+              <a:t>notify_all</a:t>
+            </a:r>
+            <a:r>
+              <a:rPr lang="it-IT" sz="1600" b="1" dirty="0">
+                <a:solidFill>
+                  <a:srgbClr val="FF0000"/>
+                </a:solidFill>
+                <a:latin typeface="Courier New" panose="02070309020205020404" pitchFamily="49" charset="0"/>
+                <a:cs typeface="Courier New" panose="02070309020205020404" pitchFamily="49" charset="0"/>
+              </a:rPr>
+              <a:t>();</a:t>
+            </a:r>
+          </a:p>
+          <a:p>
+            <a:pPr marL="0" indent="0">
+              <a:buNone/>
+            </a:pPr>
+            <a:r>
+              <a:rPr lang="it-IT" sz="1600" b="1" dirty="0">
+                <a:latin typeface="Courier New" panose="02070309020205020404" pitchFamily="49" charset="0"/>
+                <a:cs typeface="Courier New" panose="02070309020205020404" pitchFamily="49" charset="0"/>
+              </a:rPr>
+              <a:t> for(t=0; t&lt;</a:t>
+            </a:r>
+            <a:r>
+              <a:rPr lang="it-IT" sz="1600" b="1" dirty="0" err="1">
+                <a:latin typeface="Courier New" panose="02070309020205020404" pitchFamily="49" charset="0"/>
+                <a:cs typeface="Courier New" panose="02070309020205020404" pitchFamily="49" charset="0"/>
+              </a:rPr>
+              <a:t>n_th</a:t>
+            </a:r>
+            <a:r>
+              <a:rPr lang="it-IT" sz="1600" b="1" dirty="0">
+                <a:latin typeface="Courier New" panose="02070309020205020404" pitchFamily="49" charset="0"/>
+                <a:cs typeface="Courier New" panose="02070309020205020404" pitchFamily="49" charset="0"/>
+              </a:rPr>
+              <a:t>; t++) </a:t>
+            </a:r>
+            <a:r>
+              <a:rPr lang="it-IT" sz="1600" b="1" dirty="0" err="1">
+                <a:solidFill>
+                  <a:srgbClr val="FF0000"/>
+                </a:solidFill>
+                <a:latin typeface="Courier New" panose="02070309020205020404" pitchFamily="49" charset="0"/>
+                <a:cs typeface="Courier New" panose="02070309020205020404" pitchFamily="49" charset="0"/>
+              </a:rPr>
+              <a:t>threads</a:t>
+            </a:r>
+            <a:r>
+              <a:rPr lang="it-IT" sz="1600" b="1" dirty="0">
+                <a:solidFill>
+                  <a:srgbClr val="FF0000"/>
+                </a:solidFill>
+                <a:latin typeface="Courier New" panose="02070309020205020404" pitchFamily="49" charset="0"/>
+                <a:cs typeface="Courier New" panose="02070309020205020404" pitchFamily="49" charset="0"/>
+              </a:rPr>
+              <a:t>[t]-&gt;join();</a:t>
+            </a:r>
+          </a:p>
+          <a:p>
+            <a:pPr marL="0" indent="0">
+              <a:buNone/>
+            </a:pPr>
+            <a:r>
+              <a:rPr lang="it-IT" sz="1600" b="1" dirty="0">
+                <a:latin typeface="Courier New" panose="02070309020205020404" pitchFamily="49" charset="0"/>
+                <a:cs typeface="Courier New" panose="02070309020205020404" pitchFamily="49" charset="0"/>
+              </a:rPr>
+              <a:t>}</a:t>
+            </a:r>
+          </a:p>
+        </p:txBody>
+      </p:sp>
+      <p:sp>
+        <p:nvSpPr>
+          <p:cNvPr id="4" name="Segnaposto piè di pagina 3">
+            <a:extLst>
+              <a:ext uri="{FF2B5EF4-FFF2-40B4-BE49-F238E27FC236}">
+                <a16:creationId xmlns:a16="http://schemas.microsoft.com/office/drawing/2014/main" id="{DEC437D4-14AB-445D-86FD-2ED7C3F62644}"/>
+              </a:ext>
+            </a:extLst>
+          </p:cNvPr>
+          <p:cNvSpPr>
+            <a:spLocks noGrp="1"/>
+          </p:cNvSpPr>
+          <p:nvPr>
+            <p:ph type="ftr" sz="quarter" idx="11"/>
+          </p:nvPr>
+        </p:nvSpPr>
+        <p:spPr/>
+        <p:txBody>
+          <a:bodyPr/>
+          <a:lstStyle/>
+          <a:p>
+            <a:pPr>
+              <a:defRPr/>
+            </a:pPr>
+            <a:r>
+              <a:rPr lang="it-IT" dirty="0"/>
+              <a:t>Alberto Ferrari – Programmazione di applicazioni SW</a:t>
+            </a:r>
+          </a:p>
+        </p:txBody>
+      </p:sp>
+    </p:spTree>
+    <p:extLst>
+      <p:ext uri="{BB962C8B-B14F-4D97-AF65-F5344CB8AC3E}">
+        <p14:creationId xmlns:p14="http://schemas.microsoft.com/office/powerpoint/2010/main" val="2530062389"/>
+      </p:ext>
+    </p:extLst>
+  </p:cSld>
+  <p:clrMapOvr>
+    <a:masterClrMapping/>
+  </p:clrMapOvr>
+</p:sld>
+</file>
+
+<file path=ppt/slides/slide45.xml><?xml version="1.0" encoding="utf-8"?>
+<p:sld xmlns:a="http://schemas.openxmlformats.org/drawingml/2006/main" xmlns:r="http://schemas.openxmlformats.org/officeDocument/2006/relationships" xmlns:p="http://schemas.openxmlformats.org/presentationml/2006/main">
+  <p:cSld>
+    <p:spTree>
+      <p:nvGrpSpPr>
+        <p:cNvPr id="1" name=""/>
+        <p:cNvGrpSpPr/>
+        <p:nvPr/>
+      </p:nvGrpSpPr>
+      <p:grpSpPr>
+        <a:xfrm>
+          <a:off x="0" y="0"/>
+          <a:ext cx="0" cy="0"/>
+          <a:chOff x="0" y="0"/>
+          <a:chExt cx="0" cy="0"/>
+        </a:xfrm>
+      </p:grpSpPr>
+      <p:sp>
+        <p:nvSpPr>
           <p:cNvPr id="2" name="Titolo 1">
             <a:extLst>
               <a:ext uri="{FF2B5EF4-FFF2-40B4-BE49-F238E27FC236}">
